--- a/FIRST REVIEW.pptx
+++ b/FIRST REVIEW.pptx
@@ -2859,7 +2859,7 @@
                 <a14:useLocalDpi xmlns:a14="http://schemas.microsoft.com/office/drawing/2010/main" val="0"/>
               </a:ext>
               <a:ext uri="{96DAC541-7B7A-43D3-8B79-37D633B846F1}">
-                <asvg:svgBlip xmlns:asvg="http://schemas.microsoft.com/office/drawing/2016/SVG/main" xmlns="" r:embed="rId4"/>
+                <asvg:svgBlip xmlns="" xmlns:asvg="http://schemas.microsoft.com/office/drawing/2016/SVG/main" r:embed="rId4"/>
               </a:ext>
             </a:extLst>
           </a:blip>
@@ -2919,7 +2919,7 @@
                 <a14:useLocalDpi xmlns:a14="http://schemas.microsoft.com/office/drawing/2010/main" val="0"/>
               </a:ext>
               <a:ext uri="{96DAC541-7B7A-43D3-8B79-37D633B846F1}">
-                <asvg:svgBlip xmlns:asvg="http://schemas.microsoft.com/office/drawing/2016/SVG/main" xmlns="" r:embed="rId6"/>
+                <asvg:svgBlip xmlns="" xmlns:asvg="http://schemas.microsoft.com/office/drawing/2016/SVG/main" r:embed="rId6"/>
               </a:ext>
             </a:extLst>
           </a:blip>
@@ -3114,49 +3114,6 @@
         </a:p>
       </dgm:t>
     </dgm:pt>
-    <dgm:pt modelId="{F5AEEB8A-B9A1-494F-8884-4BB93EFB6BD2}">
-      <dgm:prSet/>
-      <dgm:spPr/>
-      <dgm:t>
-        <a:bodyPr/>
-        <a:lstStyle/>
-        <a:p>
-          <a:r>
-            <a:rPr lang="en-US" b="1" dirty="0" smtClean="0">
-              <a:latin typeface="Cambria Math" panose="02040503050406030204" pitchFamily="18" charset="0"/>
-              <a:ea typeface="Cambria Math" panose="02040503050406030204" pitchFamily="18" charset="0"/>
-            </a:rPr>
-            <a:t>BPL User Registration module</a:t>
-          </a:r>
-          <a:endParaRPr lang="en-US" b="1" dirty="0">
-            <a:latin typeface="Cambria Math" panose="02040503050406030204" pitchFamily="18" charset="0"/>
-            <a:ea typeface="Cambria Math" panose="02040503050406030204" pitchFamily="18" charset="0"/>
-          </a:endParaRPr>
-        </a:p>
-      </dgm:t>
-    </dgm:pt>
-    <dgm:pt modelId="{9E83FB05-D7FB-495C-99A4-2C63300E5A7C}" type="parTrans" cxnId="{0064F686-E2AD-470C-980D-00E17F7F7E10}">
-      <dgm:prSet/>
-      <dgm:spPr/>
-      <dgm:t>
-        <a:bodyPr/>
-        <a:lstStyle/>
-        <a:p>
-          <a:endParaRPr lang="en-US"/>
-        </a:p>
-      </dgm:t>
-    </dgm:pt>
-    <dgm:pt modelId="{07892570-0444-40C6-A81E-6EDA2AB9BC19}" type="sibTrans" cxnId="{0064F686-E2AD-470C-980D-00E17F7F7E10}">
-      <dgm:prSet/>
-      <dgm:spPr/>
-      <dgm:t>
-        <a:bodyPr/>
-        <a:lstStyle/>
-        <a:p>
-          <a:endParaRPr lang="en-US"/>
-        </a:p>
-      </dgm:t>
-    </dgm:pt>
     <dgm:pt modelId="{50ACB284-1887-45BD-8BF1-CB87DA2030C8}">
       <dgm:prSet/>
       <dgm:spPr/>
@@ -3329,49 +3286,6 @@
         </a:p>
       </dgm:t>
     </dgm:pt>
-    <dgm:pt modelId="{FD50814D-A19B-4365-9B9D-3898D16D9E87}">
-      <dgm:prSet/>
-      <dgm:spPr/>
-      <dgm:t>
-        <a:bodyPr/>
-        <a:lstStyle/>
-        <a:p>
-          <a:r>
-            <a:rPr lang="en-US" b="1" dirty="0" smtClean="0">
-              <a:latin typeface="Cambria Math" panose="02040503050406030204" pitchFamily="18" charset="0"/>
-              <a:ea typeface="Cambria Math" panose="02040503050406030204" pitchFamily="18" charset="0"/>
-            </a:rPr>
-            <a:t>Farmer Registration Module</a:t>
-          </a:r>
-          <a:endParaRPr lang="en-US" b="1" dirty="0">
-            <a:latin typeface="Cambria Math" panose="02040503050406030204" pitchFamily="18" charset="0"/>
-            <a:ea typeface="Cambria Math" panose="02040503050406030204" pitchFamily="18" charset="0"/>
-          </a:endParaRPr>
-        </a:p>
-      </dgm:t>
-    </dgm:pt>
-    <dgm:pt modelId="{CF7B9E0C-360E-4CCA-8133-291F17AFF183}" type="sibTrans" cxnId="{9BD28FB6-2C88-496A-9804-733D7FCE9E0F}">
-      <dgm:prSet/>
-      <dgm:spPr/>
-      <dgm:t>
-        <a:bodyPr/>
-        <a:lstStyle/>
-        <a:p>
-          <a:endParaRPr lang="en-US"/>
-        </a:p>
-      </dgm:t>
-    </dgm:pt>
-    <dgm:pt modelId="{F6F0FFB5-54BC-4F40-B784-402AC485C128}" type="parTrans" cxnId="{9BD28FB6-2C88-496A-9804-733D7FCE9E0F}">
-      <dgm:prSet/>
-      <dgm:spPr/>
-      <dgm:t>
-        <a:bodyPr/>
-        <a:lstStyle/>
-        <a:p>
-          <a:endParaRPr lang="en-US"/>
-        </a:p>
-      </dgm:t>
-    </dgm:pt>
     <dgm:pt modelId="{AE1756AC-BE01-4A77-A0D1-BB27979DA845}" type="pres">
       <dgm:prSet presAssocID="{73B4ED30-6AAF-4A05-8BE3-056BC06863E3}" presName="linear" presStyleCnt="0">
         <dgm:presLayoutVars>
@@ -3394,7 +3308,7 @@
       <dgm:spPr/>
     </dgm:pt>
     <dgm:pt modelId="{2BF200AE-E5DF-4658-BDE5-211A2F8D2E82}" type="pres">
-      <dgm:prSet presAssocID="{6EE2ACC7-57F5-44C0-8557-3C7A99293D59}" presName="parentLeftMargin" presStyleLbl="node1" presStyleIdx="0" presStyleCnt="7"/>
+      <dgm:prSet presAssocID="{6EE2ACC7-57F5-44C0-8557-3C7A99293D59}" presName="parentLeftMargin" presStyleLbl="node1" presStyleIdx="0" presStyleCnt="5"/>
       <dgm:spPr/>
       <dgm:t>
         <a:bodyPr/>
@@ -3405,7 +3319,7 @@
       </dgm:t>
     </dgm:pt>
     <dgm:pt modelId="{809081EC-0899-4325-9F56-C3636BF06551}" type="pres">
-      <dgm:prSet presAssocID="{6EE2ACC7-57F5-44C0-8557-3C7A99293D59}" presName="parentText" presStyleLbl="node1" presStyleIdx="0" presStyleCnt="7">
+      <dgm:prSet presAssocID="{6EE2ACC7-57F5-44C0-8557-3C7A99293D59}" presName="parentText" presStyleLbl="node1" presStyleIdx="0" presStyleCnt="5">
         <dgm:presLayoutVars>
           <dgm:chMax val="0"/>
           <dgm:bulletEnabled val="1"/>
@@ -3425,7 +3339,7 @@
       <dgm:spPr/>
     </dgm:pt>
     <dgm:pt modelId="{D17E342C-D402-4619-B22A-6DA4F16E6365}" type="pres">
-      <dgm:prSet presAssocID="{6EE2ACC7-57F5-44C0-8557-3C7A99293D59}" presName="childText" presStyleLbl="conFgAcc1" presStyleIdx="0" presStyleCnt="7" custScaleX="100000">
+      <dgm:prSet presAssocID="{6EE2ACC7-57F5-44C0-8557-3C7A99293D59}" presName="childText" presStyleLbl="conFgAcc1" presStyleIdx="0" presStyleCnt="5" custScaleX="100000">
         <dgm:presLayoutVars>
           <dgm:bulletEnabled val="1"/>
         </dgm:presLayoutVars>
@@ -3443,106 +3357,12 @@
       <dgm:prSet presAssocID="{7BAD47FE-A5FC-4729-A20E-30CDB83BDF8D}" presName="spaceBetweenRectangles" presStyleCnt="0"/>
       <dgm:spPr/>
     </dgm:pt>
-    <dgm:pt modelId="{F473CAE0-701F-4535-B0AD-A9AC7D777C18}" type="pres">
-      <dgm:prSet presAssocID="{F5AEEB8A-B9A1-494F-8884-4BB93EFB6BD2}" presName="parentLin" presStyleCnt="0"/>
-      <dgm:spPr/>
-    </dgm:pt>
-    <dgm:pt modelId="{0209758E-A5CA-46A5-8060-976E4A1C58E2}" type="pres">
-      <dgm:prSet presAssocID="{F5AEEB8A-B9A1-494F-8884-4BB93EFB6BD2}" presName="parentLeftMargin" presStyleLbl="node1" presStyleIdx="0" presStyleCnt="7"/>
-      <dgm:spPr/>
-      <dgm:t>
-        <a:bodyPr/>
-        <a:lstStyle/>
-        <a:p>
-          <a:endParaRPr lang="en-US"/>
-        </a:p>
-      </dgm:t>
-    </dgm:pt>
-    <dgm:pt modelId="{A1F9AEB4-6398-429E-93EC-76017542F883}" type="pres">
-      <dgm:prSet presAssocID="{F5AEEB8A-B9A1-494F-8884-4BB93EFB6BD2}" presName="parentText" presStyleLbl="node1" presStyleIdx="1" presStyleCnt="7">
-        <dgm:presLayoutVars>
-          <dgm:chMax val="0"/>
-          <dgm:bulletEnabled val="1"/>
-        </dgm:presLayoutVars>
-      </dgm:prSet>
-      <dgm:spPr/>
-      <dgm:t>
-        <a:bodyPr/>
-        <a:lstStyle/>
-        <a:p>
-          <a:endParaRPr lang="en-US"/>
-        </a:p>
-      </dgm:t>
-    </dgm:pt>
-    <dgm:pt modelId="{C06D6675-A88E-4A49-9A42-321F6CCF2AF6}" type="pres">
-      <dgm:prSet presAssocID="{F5AEEB8A-B9A1-494F-8884-4BB93EFB6BD2}" presName="negativeSpace" presStyleCnt="0"/>
-      <dgm:spPr/>
-    </dgm:pt>
-    <dgm:pt modelId="{B054BBCB-A974-4EB0-AA5A-906C788282B7}" type="pres">
-      <dgm:prSet presAssocID="{F5AEEB8A-B9A1-494F-8884-4BB93EFB6BD2}" presName="childText" presStyleLbl="conFgAcc1" presStyleIdx="1" presStyleCnt="7">
-        <dgm:presLayoutVars>
-          <dgm:bulletEnabled val="1"/>
-        </dgm:presLayoutVars>
-      </dgm:prSet>
-      <dgm:spPr/>
-    </dgm:pt>
-    <dgm:pt modelId="{AFE7807D-0E99-4ACF-8ECC-179497D94525}" type="pres">
-      <dgm:prSet presAssocID="{07892570-0444-40C6-A81E-6EDA2AB9BC19}" presName="spaceBetweenRectangles" presStyleCnt="0"/>
-      <dgm:spPr/>
-    </dgm:pt>
-    <dgm:pt modelId="{35607FCB-D7A2-42A2-A053-6734E7AB19A9}" type="pres">
-      <dgm:prSet presAssocID="{FD50814D-A19B-4365-9B9D-3898D16D9E87}" presName="parentLin" presStyleCnt="0"/>
-      <dgm:spPr/>
-    </dgm:pt>
-    <dgm:pt modelId="{117D76A4-C54F-414B-BAD7-16AF97E2FBE3}" type="pres">
-      <dgm:prSet presAssocID="{FD50814D-A19B-4365-9B9D-3898D16D9E87}" presName="parentLeftMargin" presStyleLbl="node1" presStyleIdx="1" presStyleCnt="7"/>
-      <dgm:spPr/>
-      <dgm:t>
-        <a:bodyPr/>
-        <a:lstStyle/>
-        <a:p>
-          <a:endParaRPr lang="en-US"/>
-        </a:p>
-      </dgm:t>
-    </dgm:pt>
-    <dgm:pt modelId="{771856A8-9499-4FB4-9674-830252E6539F}" type="pres">
-      <dgm:prSet presAssocID="{FD50814D-A19B-4365-9B9D-3898D16D9E87}" presName="parentText" presStyleLbl="node1" presStyleIdx="2" presStyleCnt="7">
-        <dgm:presLayoutVars>
-          <dgm:chMax val="0"/>
-          <dgm:bulletEnabled val="1"/>
-        </dgm:presLayoutVars>
-      </dgm:prSet>
-      <dgm:spPr/>
-      <dgm:t>
-        <a:bodyPr/>
-        <a:lstStyle/>
-        <a:p>
-          <a:endParaRPr lang="en-US"/>
-        </a:p>
-      </dgm:t>
-    </dgm:pt>
-    <dgm:pt modelId="{F5551C56-9EE2-4EF5-8827-52A2D29869B1}" type="pres">
-      <dgm:prSet presAssocID="{FD50814D-A19B-4365-9B9D-3898D16D9E87}" presName="negativeSpace" presStyleCnt="0"/>
-      <dgm:spPr/>
-    </dgm:pt>
-    <dgm:pt modelId="{48B80593-7D6D-44FF-8ED2-3A7529FCA7DC}" type="pres">
-      <dgm:prSet presAssocID="{FD50814D-A19B-4365-9B9D-3898D16D9E87}" presName="childText" presStyleLbl="conFgAcc1" presStyleIdx="2" presStyleCnt="7">
-        <dgm:presLayoutVars>
-          <dgm:bulletEnabled val="1"/>
-        </dgm:presLayoutVars>
-      </dgm:prSet>
-      <dgm:spPr/>
-    </dgm:pt>
-    <dgm:pt modelId="{F75532FE-2DE5-49C0-9593-712CA3A4F1C9}" type="pres">
-      <dgm:prSet presAssocID="{CF7B9E0C-360E-4CCA-8133-291F17AFF183}" presName="spaceBetweenRectangles" presStyleCnt="0"/>
-      <dgm:spPr/>
-    </dgm:pt>
     <dgm:pt modelId="{5F87A9AD-C33E-49D2-9F38-B7C742BE906B}" type="pres">
       <dgm:prSet presAssocID="{27B0A733-2533-45F3-8A49-0AF93B1B754C}" presName="parentLin" presStyleCnt="0"/>
       <dgm:spPr/>
     </dgm:pt>
     <dgm:pt modelId="{002B0255-74F4-491F-954F-31887DD2AF71}" type="pres">
-      <dgm:prSet presAssocID="{27B0A733-2533-45F3-8A49-0AF93B1B754C}" presName="parentLeftMargin" presStyleLbl="node1" presStyleIdx="2" presStyleCnt="7"/>
+      <dgm:prSet presAssocID="{27B0A733-2533-45F3-8A49-0AF93B1B754C}" presName="parentLeftMargin" presStyleLbl="node1" presStyleIdx="0" presStyleCnt="5"/>
       <dgm:spPr/>
       <dgm:t>
         <a:bodyPr/>
@@ -3553,7 +3373,7 @@
       </dgm:t>
     </dgm:pt>
     <dgm:pt modelId="{646518B0-9540-4836-9D95-0A89D10F8206}" type="pres">
-      <dgm:prSet presAssocID="{27B0A733-2533-45F3-8A49-0AF93B1B754C}" presName="parentText" presStyleLbl="node1" presStyleIdx="3" presStyleCnt="7">
+      <dgm:prSet presAssocID="{27B0A733-2533-45F3-8A49-0AF93B1B754C}" presName="parentText" presStyleLbl="node1" presStyleIdx="1" presStyleCnt="5">
         <dgm:presLayoutVars>
           <dgm:chMax val="0"/>
           <dgm:bulletEnabled val="1"/>
@@ -3573,7 +3393,7 @@
       <dgm:spPr/>
     </dgm:pt>
     <dgm:pt modelId="{B4E3E689-85B7-4E06-9268-C3A36414E2B6}" type="pres">
-      <dgm:prSet presAssocID="{27B0A733-2533-45F3-8A49-0AF93B1B754C}" presName="childText" presStyleLbl="conFgAcc1" presStyleIdx="3" presStyleCnt="7">
+      <dgm:prSet presAssocID="{27B0A733-2533-45F3-8A49-0AF93B1B754C}" presName="childText" presStyleLbl="conFgAcc1" presStyleIdx="1" presStyleCnt="5">
         <dgm:presLayoutVars>
           <dgm:bulletEnabled val="1"/>
         </dgm:presLayoutVars>
@@ -3589,7 +3409,7 @@
       <dgm:spPr/>
     </dgm:pt>
     <dgm:pt modelId="{38197FB4-9BE8-4F1E-9C3E-5CFBE067732B}" type="pres">
-      <dgm:prSet presAssocID="{F133E02E-E929-44F8-99E2-163E8F158D8D}" presName="parentLeftMargin" presStyleLbl="node1" presStyleIdx="3" presStyleCnt="7"/>
+      <dgm:prSet presAssocID="{F133E02E-E929-44F8-99E2-163E8F158D8D}" presName="parentLeftMargin" presStyleLbl="node1" presStyleIdx="1" presStyleCnt="5"/>
       <dgm:spPr/>
       <dgm:t>
         <a:bodyPr/>
@@ -3600,7 +3420,7 @@
       </dgm:t>
     </dgm:pt>
     <dgm:pt modelId="{8E82D465-EEF5-4221-AB80-B103D969F87A}" type="pres">
-      <dgm:prSet presAssocID="{F133E02E-E929-44F8-99E2-163E8F158D8D}" presName="parentText" presStyleLbl="node1" presStyleIdx="4" presStyleCnt="7">
+      <dgm:prSet presAssocID="{F133E02E-E929-44F8-99E2-163E8F158D8D}" presName="parentText" presStyleLbl="node1" presStyleIdx="2" presStyleCnt="5">
         <dgm:presLayoutVars>
           <dgm:chMax val="0"/>
           <dgm:bulletEnabled val="1"/>
@@ -3620,7 +3440,7 @@
       <dgm:spPr/>
     </dgm:pt>
     <dgm:pt modelId="{62BD4F12-721D-44C8-B957-CC968C9157D5}" type="pres">
-      <dgm:prSet presAssocID="{F133E02E-E929-44F8-99E2-163E8F158D8D}" presName="childText" presStyleLbl="conFgAcc1" presStyleIdx="4" presStyleCnt="7">
+      <dgm:prSet presAssocID="{F133E02E-E929-44F8-99E2-163E8F158D8D}" presName="childText" presStyleLbl="conFgAcc1" presStyleIdx="2" presStyleCnt="5">
         <dgm:presLayoutVars>
           <dgm:bulletEnabled val="1"/>
         </dgm:presLayoutVars>
@@ -3636,7 +3456,7 @@
       <dgm:spPr/>
     </dgm:pt>
     <dgm:pt modelId="{06CE2FD0-16CF-4EC8-A302-3DE172F99B9C}" type="pres">
-      <dgm:prSet presAssocID="{50ACB284-1887-45BD-8BF1-CB87DA2030C8}" presName="parentLeftMargin" presStyleLbl="node1" presStyleIdx="4" presStyleCnt="7"/>
+      <dgm:prSet presAssocID="{50ACB284-1887-45BD-8BF1-CB87DA2030C8}" presName="parentLeftMargin" presStyleLbl="node1" presStyleIdx="2" presStyleCnt="5"/>
       <dgm:spPr/>
       <dgm:t>
         <a:bodyPr/>
@@ -3647,7 +3467,7 @@
       </dgm:t>
     </dgm:pt>
     <dgm:pt modelId="{0411288F-6E23-4EEC-B2A6-687D0F04B125}" type="pres">
-      <dgm:prSet presAssocID="{50ACB284-1887-45BD-8BF1-CB87DA2030C8}" presName="parentText" presStyleLbl="node1" presStyleIdx="5" presStyleCnt="7">
+      <dgm:prSet presAssocID="{50ACB284-1887-45BD-8BF1-CB87DA2030C8}" presName="parentText" presStyleLbl="node1" presStyleIdx="3" presStyleCnt="5">
         <dgm:presLayoutVars>
           <dgm:chMax val="0"/>
           <dgm:bulletEnabled val="1"/>
@@ -3667,7 +3487,7 @@
       <dgm:spPr/>
     </dgm:pt>
     <dgm:pt modelId="{BA3136BD-9EA1-4353-B5CA-8D2A9AE208A7}" type="pres">
-      <dgm:prSet presAssocID="{50ACB284-1887-45BD-8BF1-CB87DA2030C8}" presName="childText" presStyleLbl="conFgAcc1" presStyleIdx="5" presStyleCnt="7">
+      <dgm:prSet presAssocID="{50ACB284-1887-45BD-8BF1-CB87DA2030C8}" presName="childText" presStyleLbl="conFgAcc1" presStyleIdx="3" presStyleCnt="5">
         <dgm:presLayoutVars>
           <dgm:bulletEnabled val="1"/>
         </dgm:presLayoutVars>
@@ -3683,7 +3503,7 @@
       <dgm:spPr/>
     </dgm:pt>
     <dgm:pt modelId="{0D72FDFD-4922-4F05-A025-D1CEDFAAD552}" type="pres">
-      <dgm:prSet presAssocID="{99BE68E4-8314-49F4-A495-82FC6C9E70F2}" presName="parentLeftMargin" presStyleLbl="node1" presStyleIdx="5" presStyleCnt="7"/>
+      <dgm:prSet presAssocID="{99BE68E4-8314-49F4-A495-82FC6C9E70F2}" presName="parentLeftMargin" presStyleLbl="node1" presStyleIdx="3" presStyleCnt="5"/>
       <dgm:spPr/>
       <dgm:t>
         <a:bodyPr/>
@@ -3694,7 +3514,7 @@
       </dgm:t>
     </dgm:pt>
     <dgm:pt modelId="{FF1BCBD0-C6D5-451A-8BA8-0E5E8C939107}" type="pres">
-      <dgm:prSet presAssocID="{99BE68E4-8314-49F4-A495-82FC6C9E70F2}" presName="parentText" presStyleLbl="node1" presStyleIdx="6" presStyleCnt="7">
+      <dgm:prSet presAssocID="{99BE68E4-8314-49F4-A495-82FC6C9E70F2}" presName="parentText" presStyleLbl="node1" presStyleIdx="4" presStyleCnt="5">
         <dgm:presLayoutVars>
           <dgm:chMax val="0"/>
           <dgm:bulletEnabled val="1"/>
@@ -3714,7 +3534,7 @@
       <dgm:spPr/>
     </dgm:pt>
     <dgm:pt modelId="{5DA7A78D-B793-40A7-986C-F9E499DF6E2B}" type="pres">
-      <dgm:prSet presAssocID="{99BE68E4-8314-49F4-A495-82FC6C9E70F2}" presName="childText" presStyleLbl="conFgAcc1" presStyleIdx="6" presStyleCnt="7">
+      <dgm:prSet presAssocID="{99BE68E4-8314-49F4-A495-82FC6C9E70F2}" presName="childText" presStyleLbl="conFgAcc1" presStyleIdx="4" presStyleCnt="5">
         <dgm:presLayoutVars>
           <dgm:bulletEnabled val="1"/>
         </dgm:presLayoutVars>
@@ -3723,69 +3543,51 @@
     </dgm:pt>
   </dgm:ptLst>
   <dgm:cxnLst>
+    <dgm:cxn modelId="{14A431D9-FCF1-4B61-8C57-AD1A386DCF90}" type="presOf" srcId="{F133E02E-E929-44F8-99E2-163E8F158D8D}" destId="{38197FB4-9BE8-4F1E-9C3E-5CFBE067732B}" srcOrd="0" destOrd="0" presId="urn:microsoft.com/office/officeart/2005/8/layout/list1"/>
+    <dgm:cxn modelId="{49AD3E6D-942A-4CFA-884F-F1DFE9F1BF2F}" srcId="{73B4ED30-6AAF-4A05-8BE3-056BC06863E3}" destId="{6EE2ACC7-57F5-44C0-8557-3C7A99293D59}" srcOrd="0" destOrd="0" parTransId="{EC0C4848-1477-4CEC-B09E-50815ABD7293}" sibTransId="{7BAD47FE-A5FC-4729-A20E-30CDB83BDF8D}"/>
+    <dgm:cxn modelId="{C5A09DA0-9503-4655-AC7E-98CAEAF9D85C}" type="presOf" srcId="{F133E02E-E929-44F8-99E2-163E8F158D8D}" destId="{8E82D465-EEF5-4221-AB80-B103D969F87A}" srcOrd="1" destOrd="0" presId="urn:microsoft.com/office/officeart/2005/8/layout/list1"/>
+    <dgm:cxn modelId="{AD861946-6CCE-4E82-B21B-19ECA99ABCFB}" type="presOf" srcId="{50ACB284-1887-45BD-8BF1-CB87DA2030C8}" destId="{06CE2FD0-16CF-4EC8-A302-3DE172F99B9C}" srcOrd="0" destOrd="0" presId="urn:microsoft.com/office/officeart/2005/8/layout/list1"/>
+    <dgm:cxn modelId="{9A2316FE-D327-4089-A224-4BB064B6D518}" type="presOf" srcId="{99BE68E4-8314-49F4-A495-82FC6C9E70F2}" destId="{FF1BCBD0-C6D5-451A-8BA8-0E5E8C939107}" srcOrd="1" destOrd="0" presId="urn:microsoft.com/office/officeart/2005/8/layout/list1"/>
+    <dgm:cxn modelId="{8B9003C6-99C9-4D5F-B0D9-F4537BD59E6F}" type="presOf" srcId="{73B4ED30-6AAF-4A05-8BE3-056BC06863E3}" destId="{AE1756AC-BE01-4A77-A0D1-BB27979DA845}" srcOrd="0" destOrd="0" presId="urn:microsoft.com/office/officeart/2005/8/layout/list1"/>
+    <dgm:cxn modelId="{6F602EBC-83DD-4A50-BDB4-AFBA7F6057BF}" type="presOf" srcId="{50ACB284-1887-45BD-8BF1-CB87DA2030C8}" destId="{0411288F-6E23-4EEC-B2A6-687D0F04B125}" srcOrd="1" destOrd="0" presId="urn:microsoft.com/office/officeart/2005/8/layout/list1"/>
     <dgm:cxn modelId="{DC3B80B6-C9A7-4621-827A-A2555EC55552}" type="presOf" srcId="{6EE2ACC7-57F5-44C0-8557-3C7A99293D59}" destId="{809081EC-0899-4325-9F56-C3636BF06551}" srcOrd="1" destOrd="0" presId="urn:microsoft.com/office/officeart/2005/8/layout/list1"/>
-    <dgm:cxn modelId="{6F602EBC-83DD-4A50-BDB4-AFBA7F6057BF}" type="presOf" srcId="{50ACB284-1887-45BD-8BF1-CB87DA2030C8}" destId="{0411288F-6E23-4EEC-B2A6-687D0F04B125}" srcOrd="1" destOrd="0" presId="urn:microsoft.com/office/officeart/2005/8/layout/list1"/>
-    <dgm:cxn modelId="{8B9003C6-99C9-4D5F-B0D9-F4537BD59E6F}" type="presOf" srcId="{73B4ED30-6AAF-4A05-8BE3-056BC06863E3}" destId="{AE1756AC-BE01-4A77-A0D1-BB27979DA845}" srcOrd="0" destOrd="0" presId="urn:microsoft.com/office/officeart/2005/8/layout/list1"/>
-    <dgm:cxn modelId="{D8EE52A0-CE4D-4967-A309-907B1F0B8ADC}" srcId="{73B4ED30-6AAF-4A05-8BE3-056BC06863E3}" destId="{99BE68E4-8314-49F4-A495-82FC6C9E70F2}" srcOrd="6" destOrd="0" parTransId="{A36AA91C-0CB7-4FE2-9487-F5E8CEF7F754}" sibTransId="{ADF5CB81-BB4F-4C2A-9F1A-22EEF9C97C40}"/>
-    <dgm:cxn modelId="{14A431D9-FCF1-4B61-8C57-AD1A386DCF90}" type="presOf" srcId="{F133E02E-E929-44F8-99E2-163E8F158D8D}" destId="{38197FB4-9BE8-4F1E-9C3E-5CFBE067732B}" srcOrd="0" destOrd="0" presId="urn:microsoft.com/office/officeart/2005/8/layout/list1"/>
-    <dgm:cxn modelId="{E5F8423F-B4A8-424C-86EB-33448F3F98DC}" type="presOf" srcId="{F5AEEB8A-B9A1-494F-8884-4BB93EFB6BD2}" destId="{0209758E-A5CA-46A5-8060-976E4A1C58E2}" srcOrd="0" destOrd="0" presId="urn:microsoft.com/office/officeart/2005/8/layout/list1"/>
-    <dgm:cxn modelId="{06884DA5-891E-4527-B643-2A0E73FC9747}" type="presOf" srcId="{FD50814D-A19B-4365-9B9D-3898D16D9E87}" destId="{771856A8-9499-4FB4-9674-830252E6539F}" srcOrd="1" destOrd="0" presId="urn:microsoft.com/office/officeart/2005/8/layout/list1"/>
-    <dgm:cxn modelId="{9A2316FE-D327-4089-A224-4BB064B6D518}" type="presOf" srcId="{99BE68E4-8314-49F4-A495-82FC6C9E70F2}" destId="{FF1BCBD0-C6D5-451A-8BA8-0E5E8C939107}" srcOrd="1" destOrd="0" presId="urn:microsoft.com/office/officeart/2005/8/layout/list1"/>
-    <dgm:cxn modelId="{EA0A933C-4B17-45B9-A1A6-638C7320E27A}" type="presOf" srcId="{FD50814D-A19B-4365-9B9D-3898D16D9E87}" destId="{117D76A4-C54F-414B-BAD7-16AF97E2FBE3}" srcOrd="0" destOrd="0" presId="urn:microsoft.com/office/officeart/2005/8/layout/list1"/>
-    <dgm:cxn modelId="{D4477FC4-26F6-4461-8694-533C3817CA89}" srcId="{73B4ED30-6AAF-4A05-8BE3-056BC06863E3}" destId="{F133E02E-E929-44F8-99E2-163E8F158D8D}" srcOrd="4" destOrd="0" parTransId="{07F8B606-9855-49C4-8B7E-C332B7AB8075}" sibTransId="{AF3DCA0B-BFEC-4045-9BE6-ED92D1E043B9}"/>
-    <dgm:cxn modelId="{FC288C91-9087-41AE-B552-B683697A2D08}" srcId="{73B4ED30-6AAF-4A05-8BE3-056BC06863E3}" destId="{50ACB284-1887-45BD-8BF1-CB87DA2030C8}" srcOrd="5" destOrd="0" parTransId="{730BB81C-ED3E-4FC7-BE87-9A2F8159D036}" sibTransId="{6F7A7DD7-9480-4AE7-8A8C-BA574A23FB0E}"/>
-    <dgm:cxn modelId="{0064F686-E2AD-470C-980D-00E17F7F7E10}" srcId="{73B4ED30-6AAF-4A05-8BE3-056BC06863E3}" destId="{F5AEEB8A-B9A1-494F-8884-4BB93EFB6BD2}" srcOrd="1" destOrd="0" parTransId="{9E83FB05-D7FB-495C-99A4-2C63300E5A7C}" sibTransId="{07892570-0444-40C6-A81E-6EDA2AB9BC19}"/>
+    <dgm:cxn modelId="{FC288C91-9087-41AE-B552-B683697A2D08}" srcId="{73B4ED30-6AAF-4A05-8BE3-056BC06863E3}" destId="{50ACB284-1887-45BD-8BF1-CB87DA2030C8}" srcOrd="3" destOrd="0" parTransId="{730BB81C-ED3E-4FC7-BE87-9A2F8159D036}" sibTransId="{6F7A7DD7-9480-4AE7-8A8C-BA574A23FB0E}"/>
+    <dgm:cxn modelId="{D8EE52A0-CE4D-4967-A309-907B1F0B8ADC}" srcId="{73B4ED30-6AAF-4A05-8BE3-056BC06863E3}" destId="{99BE68E4-8314-49F4-A495-82FC6C9E70F2}" srcOrd="4" destOrd="0" parTransId="{A36AA91C-0CB7-4FE2-9487-F5E8CEF7F754}" sibTransId="{ADF5CB81-BB4F-4C2A-9F1A-22EEF9C97C40}"/>
     <dgm:cxn modelId="{961565CC-C273-4392-8813-AC3BB086B50F}" type="presOf" srcId="{6EE2ACC7-57F5-44C0-8557-3C7A99293D59}" destId="{2BF200AE-E5DF-4658-BDE5-211A2F8D2E82}" srcOrd="0" destOrd="0" presId="urn:microsoft.com/office/officeart/2005/8/layout/list1"/>
-    <dgm:cxn modelId="{49AD3E6D-942A-4CFA-884F-F1DFE9F1BF2F}" srcId="{73B4ED30-6AAF-4A05-8BE3-056BC06863E3}" destId="{6EE2ACC7-57F5-44C0-8557-3C7A99293D59}" srcOrd="0" destOrd="0" parTransId="{EC0C4848-1477-4CEC-B09E-50815ABD7293}" sibTransId="{7BAD47FE-A5FC-4729-A20E-30CDB83BDF8D}"/>
+    <dgm:cxn modelId="{17868493-91BF-4F10-BAD8-4E42E57AD53F}" type="presOf" srcId="{27B0A733-2533-45F3-8A49-0AF93B1B754C}" destId="{646518B0-9540-4836-9D95-0A89D10F8206}" srcOrd="1" destOrd="0" presId="urn:microsoft.com/office/officeart/2005/8/layout/list1"/>
     <dgm:cxn modelId="{700A2BB3-ED21-4CD4-8673-F62EDFE469CC}" type="presOf" srcId="{99BE68E4-8314-49F4-A495-82FC6C9E70F2}" destId="{0D72FDFD-4922-4F05-A025-D1CEDFAAD552}" srcOrd="0" destOrd="0" presId="urn:microsoft.com/office/officeart/2005/8/layout/list1"/>
-    <dgm:cxn modelId="{9BD28FB6-2C88-496A-9804-733D7FCE9E0F}" srcId="{73B4ED30-6AAF-4A05-8BE3-056BC06863E3}" destId="{FD50814D-A19B-4365-9B9D-3898D16D9E87}" srcOrd="2" destOrd="0" parTransId="{F6F0FFB5-54BC-4F40-B784-402AC485C128}" sibTransId="{CF7B9E0C-360E-4CCA-8133-291F17AFF183}"/>
-    <dgm:cxn modelId="{AD861946-6CCE-4E82-B21B-19ECA99ABCFB}" type="presOf" srcId="{50ACB284-1887-45BD-8BF1-CB87DA2030C8}" destId="{06CE2FD0-16CF-4EC8-A302-3DE172F99B9C}" srcOrd="0" destOrd="0" presId="urn:microsoft.com/office/officeart/2005/8/layout/list1"/>
-    <dgm:cxn modelId="{17868493-91BF-4F10-BAD8-4E42E57AD53F}" type="presOf" srcId="{27B0A733-2533-45F3-8A49-0AF93B1B754C}" destId="{646518B0-9540-4836-9D95-0A89D10F8206}" srcOrd="1" destOrd="0" presId="urn:microsoft.com/office/officeart/2005/8/layout/list1"/>
-    <dgm:cxn modelId="{74FC6F05-20DE-46D6-8D8D-FD7E13E90735}" srcId="{73B4ED30-6AAF-4A05-8BE3-056BC06863E3}" destId="{27B0A733-2533-45F3-8A49-0AF93B1B754C}" srcOrd="3" destOrd="0" parTransId="{74A27815-5C72-4171-8701-8A388D521A82}" sibTransId="{10D3B912-CBB7-4516-A5D1-30ACD4D73822}"/>
-    <dgm:cxn modelId="{C5A09DA0-9503-4655-AC7E-98CAEAF9D85C}" type="presOf" srcId="{F133E02E-E929-44F8-99E2-163E8F158D8D}" destId="{8E82D465-EEF5-4221-AB80-B103D969F87A}" srcOrd="1" destOrd="0" presId="urn:microsoft.com/office/officeart/2005/8/layout/list1"/>
+    <dgm:cxn modelId="{74FC6F05-20DE-46D6-8D8D-FD7E13E90735}" srcId="{73B4ED30-6AAF-4A05-8BE3-056BC06863E3}" destId="{27B0A733-2533-45F3-8A49-0AF93B1B754C}" srcOrd="1" destOrd="0" parTransId="{74A27815-5C72-4171-8701-8A388D521A82}" sibTransId="{10D3B912-CBB7-4516-A5D1-30ACD4D73822}"/>
     <dgm:cxn modelId="{428628D6-2460-42C9-9A9A-8B6C8AEDC4FA}" type="presOf" srcId="{27B0A733-2533-45F3-8A49-0AF93B1B754C}" destId="{002B0255-74F4-491F-954F-31887DD2AF71}" srcOrd="0" destOrd="0" presId="urn:microsoft.com/office/officeart/2005/8/layout/list1"/>
-    <dgm:cxn modelId="{809916FD-6946-4E20-97E4-8ADD51044BCD}" type="presOf" srcId="{F5AEEB8A-B9A1-494F-8884-4BB93EFB6BD2}" destId="{A1F9AEB4-6398-429E-93EC-76017542F883}" srcOrd="1" destOrd="0" presId="urn:microsoft.com/office/officeart/2005/8/layout/list1"/>
+    <dgm:cxn modelId="{D4477FC4-26F6-4461-8694-533C3817CA89}" srcId="{73B4ED30-6AAF-4A05-8BE3-056BC06863E3}" destId="{F133E02E-E929-44F8-99E2-163E8F158D8D}" srcOrd="2" destOrd="0" parTransId="{07F8B606-9855-49C4-8B7E-C332B7AB8075}" sibTransId="{AF3DCA0B-BFEC-4045-9BE6-ED92D1E043B9}"/>
     <dgm:cxn modelId="{16BA07BE-EE29-4D1D-BD12-B372CF0AF98B}" type="presParOf" srcId="{AE1756AC-BE01-4A77-A0D1-BB27979DA845}" destId="{5B06D0DC-835C-406F-89AB-58F9E57B73B9}" srcOrd="0" destOrd="0" presId="urn:microsoft.com/office/officeart/2005/8/layout/list1"/>
     <dgm:cxn modelId="{C38BBF5B-6B52-4F02-8E6A-F75D369C1598}" type="presParOf" srcId="{5B06D0DC-835C-406F-89AB-58F9E57B73B9}" destId="{2BF200AE-E5DF-4658-BDE5-211A2F8D2E82}" srcOrd="0" destOrd="0" presId="urn:microsoft.com/office/officeart/2005/8/layout/list1"/>
     <dgm:cxn modelId="{750FE7AD-4A49-438D-A35E-5AD2E03E1A05}" type="presParOf" srcId="{5B06D0DC-835C-406F-89AB-58F9E57B73B9}" destId="{809081EC-0899-4325-9F56-C3636BF06551}" srcOrd="1" destOrd="0" presId="urn:microsoft.com/office/officeart/2005/8/layout/list1"/>
     <dgm:cxn modelId="{77B77630-7150-4700-B518-87D913965FF6}" type="presParOf" srcId="{AE1756AC-BE01-4A77-A0D1-BB27979DA845}" destId="{F8B20E0B-780B-4321-B958-CF9F9B9EE172}" srcOrd="1" destOrd="0" presId="urn:microsoft.com/office/officeart/2005/8/layout/list1"/>
     <dgm:cxn modelId="{92044502-6B42-49FD-B4D2-E9605D94FDA6}" type="presParOf" srcId="{AE1756AC-BE01-4A77-A0D1-BB27979DA845}" destId="{D17E342C-D402-4619-B22A-6DA4F16E6365}" srcOrd="2" destOrd="0" presId="urn:microsoft.com/office/officeart/2005/8/layout/list1"/>
     <dgm:cxn modelId="{CCA106F9-DA51-4C4F-8F5D-ADD5118D344C}" type="presParOf" srcId="{AE1756AC-BE01-4A77-A0D1-BB27979DA845}" destId="{309E60A6-371F-415E-A4E8-23F59011C0E8}" srcOrd="3" destOrd="0" presId="urn:microsoft.com/office/officeart/2005/8/layout/list1"/>
-    <dgm:cxn modelId="{083AB156-0A53-47CA-9FC5-6B3BED66D208}" type="presParOf" srcId="{AE1756AC-BE01-4A77-A0D1-BB27979DA845}" destId="{F473CAE0-701F-4535-B0AD-A9AC7D777C18}" srcOrd="4" destOrd="0" presId="urn:microsoft.com/office/officeart/2005/8/layout/list1"/>
-    <dgm:cxn modelId="{B21B2EAD-29AB-4EE9-99D8-3E7459EA8B96}" type="presParOf" srcId="{F473CAE0-701F-4535-B0AD-A9AC7D777C18}" destId="{0209758E-A5CA-46A5-8060-976E4A1C58E2}" srcOrd="0" destOrd="0" presId="urn:microsoft.com/office/officeart/2005/8/layout/list1"/>
-    <dgm:cxn modelId="{E81C9D24-56D8-4BDD-BE50-006DF173A3D5}" type="presParOf" srcId="{F473CAE0-701F-4535-B0AD-A9AC7D777C18}" destId="{A1F9AEB4-6398-429E-93EC-76017542F883}" srcOrd="1" destOrd="0" presId="urn:microsoft.com/office/officeart/2005/8/layout/list1"/>
-    <dgm:cxn modelId="{D16752DF-347F-4EAE-9C25-3858C589CBDF}" type="presParOf" srcId="{AE1756AC-BE01-4A77-A0D1-BB27979DA845}" destId="{C06D6675-A88E-4A49-9A42-321F6CCF2AF6}" srcOrd="5" destOrd="0" presId="urn:microsoft.com/office/officeart/2005/8/layout/list1"/>
-    <dgm:cxn modelId="{3A01C807-201C-499E-9F88-14DB927AE7C1}" type="presParOf" srcId="{AE1756AC-BE01-4A77-A0D1-BB27979DA845}" destId="{B054BBCB-A974-4EB0-AA5A-906C788282B7}" srcOrd="6" destOrd="0" presId="urn:microsoft.com/office/officeart/2005/8/layout/list1"/>
-    <dgm:cxn modelId="{24AFA102-4A81-44B2-AF40-470342CF21E2}" type="presParOf" srcId="{AE1756AC-BE01-4A77-A0D1-BB27979DA845}" destId="{AFE7807D-0E99-4ACF-8ECC-179497D94525}" srcOrd="7" destOrd="0" presId="urn:microsoft.com/office/officeart/2005/8/layout/list1"/>
-    <dgm:cxn modelId="{CEC53F6A-CF4C-4E19-977B-9B9D14C46C54}" type="presParOf" srcId="{AE1756AC-BE01-4A77-A0D1-BB27979DA845}" destId="{35607FCB-D7A2-42A2-A053-6734E7AB19A9}" srcOrd="8" destOrd="0" presId="urn:microsoft.com/office/officeart/2005/8/layout/list1"/>
-    <dgm:cxn modelId="{D4652C7D-0FD4-440E-BF96-9C6E13B4FA31}" type="presParOf" srcId="{35607FCB-D7A2-42A2-A053-6734E7AB19A9}" destId="{117D76A4-C54F-414B-BAD7-16AF97E2FBE3}" srcOrd="0" destOrd="0" presId="urn:microsoft.com/office/officeart/2005/8/layout/list1"/>
-    <dgm:cxn modelId="{D6ED2656-E286-44FB-93D4-47F8074452A7}" type="presParOf" srcId="{35607FCB-D7A2-42A2-A053-6734E7AB19A9}" destId="{771856A8-9499-4FB4-9674-830252E6539F}" srcOrd="1" destOrd="0" presId="urn:microsoft.com/office/officeart/2005/8/layout/list1"/>
-    <dgm:cxn modelId="{AE2A7EBA-8D17-4C9E-8FDA-EA55A6335BCF}" type="presParOf" srcId="{AE1756AC-BE01-4A77-A0D1-BB27979DA845}" destId="{F5551C56-9EE2-4EF5-8827-52A2D29869B1}" srcOrd="9" destOrd="0" presId="urn:microsoft.com/office/officeart/2005/8/layout/list1"/>
-    <dgm:cxn modelId="{3F920FA7-7759-4039-BD42-DB575A883221}" type="presParOf" srcId="{AE1756AC-BE01-4A77-A0D1-BB27979DA845}" destId="{48B80593-7D6D-44FF-8ED2-3A7529FCA7DC}" srcOrd="10" destOrd="0" presId="urn:microsoft.com/office/officeart/2005/8/layout/list1"/>
-    <dgm:cxn modelId="{25AD1FAC-D7B2-4B31-B3B2-9FEA2732C578}" type="presParOf" srcId="{AE1756AC-BE01-4A77-A0D1-BB27979DA845}" destId="{F75532FE-2DE5-49C0-9593-712CA3A4F1C9}" srcOrd="11" destOrd="0" presId="urn:microsoft.com/office/officeart/2005/8/layout/list1"/>
-    <dgm:cxn modelId="{A77C2822-7C33-4176-9D8C-72E2E87E095A}" type="presParOf" srcId="{AE1756AC-BE01-4A77-A0D1-BB27979DA845}" destId="{5F87A9AD-C33E-49D2-9F38-B7C742BE906B}" srcOrd="12" destOrd="0" presId="urn:microsoft.com/office/officeart/2005/8/layout/list1"/>
+    <dgm:cxn modelId="{A77C2822-7C33-4176-9D8C-72E2E87E095A}" type="presParOf" srcId="{AE1756AC-BE01-4A77-A0D1-BB27979DA845}" destId="{5F87A9AD-C33E-49D2-9F38-B7C742BE906B}" srcOrd="4" destOrd="0" presId="urn:microsoft.com/office/officeart/2005/8/layout/list1"/>
     <dgm:cxn modelId="{46F6DFE7-0143-4EE8-BD0D-6858EABD4D9D}" type="presParOf" srcId="{5F87A9AD-C33E-49D2-9F38-B7C742BE906B}" destId="{002B0255-74F4-491F-954F-31887DD2AF71}" srcOrd="0" destOrd="0" presId="urn:microsoft.com/office/officeart/2005/8/layout/list1"/>
     <dgm:cxn modelId="{7616872D-89C1-40BD-BC50-5DA933D69440}" type="presParOf" srcId="{5F87A9AD-C33E-49D2-9F38-B7C742BE906B}" destId="{646518B0-9540-4836-9D95-0A89D10F8206}" srcOrd="1" destOrd="0" presId="urn:microsoft.com/office/officeart/2005/8/layout/list1"/>
-    <dgm:cxn modelId="{7F59B56B-11BC-44D5-AE1D-0F740653A20A}" type="presParOf" srcId="{AE1756AC-BE01-4A77-A0D1-BB27979DA845}" destId="{DFDE3444-D2D2-42AB-AC9E-D83771EB87F6}" srcOrd="13" destOrd="0" presId="urn:microsoft.com/office/officeart/2005/8/layout/list1"/>
-    <dgm:cxn modelId="{3C37F995-19C6-4BBF-93C8-7B4F1F59369D}" type="presParOf" srcId="{AE1756AC-BE01-4A77-A0D1-BB27979DA845}" destId="{B4E3E689-85B7-4E06-9268-C3A36414E2B6}" srcOrd="14" destOrd="0" presId="urn:microsoft.com/office/officeart/2005/8/layout/list1"/>
-    <dgm:cxn modelId="{B9D4B301-103A-4355-88BE-A5CC8459CCD5}" type="presParOf" srcId="{AE1756AC-BE01-4A77-A0D1-BB27979DA845}" destId="{785C1A96-4813-42F8-939B-00B30E31EAB3}" srcOrd="15" destOrd="0" presId="urn:microsoft.com/office/officeart/2005/8/layout/list1"/>
-    <dgm:cxn modelId="{C322906B-6E33-4D25-A91C-19FB881200AE}" type="presParOf" srcId="{AE1756AC-BE01-4A77-A0D1-BB27979DA845}" destId="{83FAD573-354E-4BC0-A075-E4E94060F208}" srcOrd="16" destOrd="0" presId="urn:microsoft.com/office/officeart/2005/8/layout/list1"/>
+    <dgm:cxn modelId="{7F59B56B-11BC-44D5-AE1D-0F740653A20A}" type="presParOf" srcId="{AE1756AC-BE01-4A77-A0D1-BB27979DA845}" destId="{DFDE3444-D2D2-42AB-AC9E-D83771EB87F6}" srcOrd="5" destOrd="0" presId="urn:microsoft.com/office/officeart/2005/8/layout/list1"/>
+    <dgm:cxn modelId="{3C37F995-19C6-4BBF-93C8-7B4F1F59369D}" type="presParOf" srcId="{AE1756AC-BE01-4A77-A0D1-BB27979DA845}" destId="{B4E3E689-85B7-4E06-9268-C3A36414E2B6}" srcOrd="6" destOrd="0" presId="urn:microsoft.com/office/officeart/2005/8/layout/list1"/>
+    <dgm:cxn modelId="{B9D4B301-103A-4355-88BE-A5CC8459CCD5}" type="presParOf" srcId="{AE1756AC-BE01-4A77-A0D1-BB27979DA845}" destId="{785C1A96-4813-42F8-939B-00B30E31EAB3}" srcOrd="7" destOrd="0" presId="urn:microsoft.com/office/officeart/2005/8/layout/list1"/>
+    <dgm:cxn modelId="{C322906B-6E33-4D25-A91C-19FB881200AE}" type="presParOf" srcId="{AE1756AC-BE01-4A77-A0D1-BB27979DA845}" destId="{83FAD573-354E-4BC0-A075-E4E94060F208}" srcOrd="8" destOrd="0" presId="urn:microsoft.com/office/officeart/2005/8/layout/list1"/>
     <dgm:cxn modelId="{D9C8E1FF-D796-438F-B0F0-CF2BC08E5F9C}" type="presParOf" srcId="{83FAD573-354E-4BC0-A075-E4E94060F208}" destId="{38197FB4-9BE8-4F1E-9C3E-5CFBE067732B}" srcOrd="0" destOrd="0" presId="urn:microsoft.com/office/officeart/2005/8/layout/list1"/>
     <dgm:cxn modelId="{DCAA671C-74AB-426E-A42E-6A582B96A7C5}" type="presParOf" srcId="{83FAD573-354E-4BC0-A075-E4E94060F208}" destId="{8E82D465-EEF5-4221-AB80-B103D969F87A}" srcOrd="1" destOrd="0" presId="urn:microsoft.com/office/officeart/2005/8/layout/list1"/>
-    <dgm:cxn modelId="{B2777B1D-AFEE-4187-8729-56144755A191}" type="presParOf" srcId="{AE1756AC-BE01-4A77-A0D1-BB27979DA845}" destId="{D8F04786-ED45-4B67-A349-3CBB932FB6F0}" srcOrd="17" destOrd="0" presId="urn:microsoft.com/office/officeart/2005/8/layout/list1"/>
-    <dgm:cxn modelId="{73451BC0-3A2C-4328-837A-925F14BF3005}" type="presParOf" srcId="{AE1756AC-BE01-4A77-A0D1-BB27979DA845}" destId="{62BD4F12-721D-44C8-B957-CC968C9157D5}" srcOrd="18" destOrd="0" presId="urn:microsoft.com/office/officeart/2005/8/layout/list1"/>
-    <dgm:cxn modelId="{8405D2FB-0454-4E2D-9243-232020338A80}" type="presParOf" srcId="{AE1756AC-BE01-4A77-A0D1-BB27979DA845}" destId="{22883550-E5B1-423D-AA86-354BAC73D1C5}" srcOrd="19" destOrd="0" presId="urn:microsoft.com/office/officeart/2005/8/layout/list1"/>
-    <dgm:cxn modelId="{2C319A76-B137-43D8-A924-B0034C06935E}" type="presParOf" srcId="{AE1756AC-BE01-4A77-A0D1-BB27979DA845}" destId="{49719614-1C36-436F-A5AA-A7DF93BFB664}" srcOrd="20" destOrd="0" presId="urn:microsoft.com/office/officeart/2005/8/layout/list1"/>
+    <dgm:cxn modelId="{B2777B1D-AFEE-4187-8729-56144755A191}" type="presParOf" srcId="{AE1756AC-BE01-4A77-A0D1-BB27979DA845}" destId="{D8F04786-ED45-4B67-A349-3CBB932FB6F0}" srcOrd="9" destOrd="0" presId="urn:microsoft.com/office/officeart/2005/8/layout/list1"/>
+    <dgm:cxn modelId="{73451BC0-3A2C-4328-837A-925F14BF3005}" type="presParOf" srcId="{AE1756AC-BE01-4A77-A0D1-BB27979DA845}" destId="{62BD4F12-721D-44C8-B957-CC968C9157D5}" srcOrd="10" destOrd="0" presId="urn:microsoft.com/office/officeart/2005/8/layout/list1"/>
+    <dgm:cxn modelId="{8405D2FB-0454-4E2D-9243-232020338A80}" type="presParOf" srcId="{AE1756AC-BE01-4A77-A0D1-BB27979DA845}" destId="{22883550-E5B1-423D-AA86-354BAC73D1C5}" srcOrd="11" destOrd="0" presId="urn:microsoft.com/office/officeart/2005/8/layout/list1"/>
+    <dgm:cxn modelId="{2C319A76-B137-43D8-A924-B0034C06935E}" type="presParOf" srcId="{AE1756AC-BE01-4A77-A0D1-BB27979DA845}" destId="{49719614-1C36-436F-A5AA-A7DF93BFB664}" srcOrd="12" destOrd="0" presId="urn:microsoft.com/office/officeart/2005/8/layout/list1"/>
     <dgm:cxn modelId="{47D51D3E-4137-4294-9358-292205CC79A1}" type="presParOf" srcId="{49719614-1C36-436F-A5AA-A7DF93BFB664}" destId="{06CE2FD0-16CF-4EC8-A302-3DE172F99B9C}" srcOrd="0" destOrd="0" presId="urn:microsoft.com/office/officeart/2005/8/layout/list1"/>
     <dgm:cxn modelId="{D58A77AE-DF7F-4ECA-8A5D-178086ADB12D}" type="presParOf" srcId="{49719614-1C36-436F-A5AA-A7DF93BFB664}" destId="{0411288F-6E23-4EEC-B2A6-687D0F04B125}" srcOrd="1" destOrd="0" presId="urn:microsoft.com/office/officeart/2005/8/layout/list1"/>
-    <dgm:cxn modelId="{45E5405C-6BF5-4A96-AAFF-373A6233E60F}" type="presParOf" srcId="{AE1756AC-BE01-4A77-A0D1-BB27979DA845}" destId="{DBD0C51D-F119-425C-9853-389FAE68C42B}" srcOrd="21" destOrd="0" presId="urn:microsoft.com/office/officeart/2005/8/layout/list1"/>
-    <dgm:cxn modelId="{27FDDEEA-931E-4C29-B265-FA5A2E1AA999}" type="presParOf" srcId="{AE1756AC-BE01-4A77-A0D1-BB27979DA845}" destId="{BA3136BD-9EA1-4353-B5CA-8D2A9AE208A7}" srcOrd="22" destOrd="0" presId="urn:microsoft.com/office/officeart/2005/8/layout/list1"/>
-    <dgm:cxn modelId="{886C6BD3-6990-4700-B9E4-A128EA917414}" type="presParOf" srcId="{AE1756AC-BE01-4A77-A0D1-BB27979DA845}" destId="{EFC2B8E0-A782-4AB1-B59C-D3900A1E6D5C}" srcOrd="23" destOrd="0" presId="urn:microsoft.com/office/officeart/2005/8/layout/list1"/>
-    <dgm:cxn modelId="{540E5B0D-BD22-486E-9551-7AAEB76DE846}" type="presParOf" srcId="{AE1756AC-BE01-4A77-A0D1-BB27979DA845}" destId="{7FE35D60-18C8-47BD-8F16-03A2E0D26A62}" srcOrd="24" destOrd="0" presId="urn:microsoft.com/office/officeart/2005/8/layout/list1"/>
+    <dgm:cxn modelId="{45E5405C-6BF5-4A96-AAFF-373A6233E60F}" type="presParOf" srcId="{AE1756AC-BE01-4A77-A0D1-BB27979DA845}" destId="{DBD0C51D-F119-425C-9853-389FAE68C42B}" srcOrd="13" destOrd="0" presId="urn:microsoft.com/office/officeart/2005/8/layout/list1"/>
+    <dgm:cxn modelId="{27FDDEEA-931E-4C29-B265-FA5A2E1AA999}" type="presParOf" srcId="{AE1756AC-BE01-4A77-A0D1-BB27979DA845}" destId="{BA3136BD-9EA1-4353-B5CA-8D2A9AE208A7}" srcOrd="14" destOrd="0" presId="urn:microsoft.com/office/officeart/2005/8/layout/list1"/>
+    <dgm:cxn modelId="{886C6BD3-6990-4700-B9E4-A128EA917414}" type="presParOf" srcId="{AE1756AC-BE01-4A77-A0D1-BB27979DA845}" destId="{EFC2B8E0-A782-4AB1-B59C-D3900A1E6D5C}" srcOrd="15" destOrd="0" presId="urn:microsoft.com/office/officeart/2005/8/layout/list1"/>
+    <dgm:cxn modelId="{540E5B0D-BD22-486E-9551-7AAEB76DE846}" type="presParOf" srcId="{AE1756AC-BE01-4A77-A0D1-BB27979DA845}" destId="{7FE35D60-18C8-47BD-8F16-03A2E0D26A62}" srcOrd="16" destOrd="0" presId="urn:microsoft.com/office/officeart/2005/8/layout/list1"/>
     <dgm:cxn modelId="{AB68DB84-CDB8-4450-B708-ED51535352B4}" type="presParOf" srcId="{7FE35D60-18C8-47BD-8F16-03A2E0D26A62}" destId="{0D72FDFD-4922-4F05-A025-D1CEDFAAD552}" srcOrd="0" destOrd="0" presId="urn:microsoft.com/office/officeart/2005/8/layout/list1"/>
     <dgm:cxn modelId="{491D5DEE-C9CE-44E5-8EAF-C3F12849F1CA}" type="presParOf" srcId="{7FE35D60-18C8-47BD-8F16-03A2E0D26A62}" destId="{FF1BCBD0-C6D5-451A-8BA8-0E5E8C939107}" srcOrd="1" destOrd="0" presId="urn:microsoft.com/office/officeart/2005/8/layout/list1"/>
-    <dgm:cxn modelId="{6FC67635-9163-4F09-9F89-247EC17821E6}" type="presParOf" srcId="{AE1756AC-BE01-4A77-A0D1-BB27979DA845}" destId="{D883C22E-5392-4FA4-9C55-3E1372C5943A}" srcOrd="25" destOrd="0" presId="urn:microsoft.com/office/officeart/2005/8/layout/list1"/>
-    <dgm:cxn modelId="{6E200811-B182-4DB6-A975-52A7840BD7B9}" type="presParOf" srcId="{AE1756AC-BE01-4A77-A0D1-BB27979DA845}" destId="{5DA7A78D-B793-40A7-986C-F9E499DF6E2B}" srcOrd="26" destOrd="0" presId="urn:microsoft.com/office/officeart/2005/8/layout/list1"/>
+    <dgm:cxn modelId="{6FC67635-9163-4F09-9F89-247EC17821E6}" type="presParOf" srcId="{AE1756AC-BE01-4A77-A0D1-BB27979DA845}" destId="{D883C22E-5392-4FA4-9C55-3E1372C5943A}" srcOrd="17" destOrd="0" presId="urn:microsoft.com/office/officeart/2005/8/layout/list1"/>
+    <dgm:cxn modelId="{6E200811-B182-4DB6-A975-52A7840BD7B9}" type="presParOf" srcId="{AE1756AC-BE01-4A77-A0D1-BB27979DA845}" destId="{5DA7A78D-B793-40A7-986C-F9E499DF6E2B}" srcOrd="18" destOrd="0" presId="urn:microsoft.com/office/officeart/2005/8/layout/list1"/>
   </dgm:cxnLst>
   <dgm:bg/>
   <dgm:whole/>
@@ -4067,7 +3869,7 @@
                 <a14:useLocalDpi xmlns:a14="http://schemas.microsoft.com/office/drawing/2010/main" val="0"/>
               </a:ext>
               <a:ext uri="{96DAC541-7B7A-43D3-8B79-37D633B846F1}">
-                <asvg:svgBlip xmlns:asvg="http://schemas.microsoft.com/office/drawing/2016/SVG/main" xmlns="" r:embed="rId2"/>
+                <asvg:svgBlip xmlns="" xmlns:asvg="http://schemas.microsoft.com/office/drawing/2016/SVG/main" r:embed="rId2"/>
               </a:ext>
             </a:extLst>
           </a:blip>
@@ -4123,7 +3925,7 @@
                 <a14:useLocalDpi xmlns:a14="http://schemas.microsoft.com/office/drawing/2010/main" val="0"/>
               </a:ext>
               <a:ext uri="{96DAC541-7B7A-43D3-8B79-37D633B846F1}">
-                <asvg:svgBlip xmlns:asvg="http://schemas.microsoft.com/office/drawing/2016/SVG/main" xmlns="" r:embed="rId4"/>
+                <asvg:svgBlip xmlns="" xmlns:asvg="http://schemas.microsoft.com/office/drawing/2016/SVG/main" r:embed="rId4"/>
               </a:ext>
             </a:extLst>
           </a:blip>
@@ -4179,7 +3981,7 @@
                 <a14:useLocalDpi xmlns:a14="http://schemas.microsoft.com/office/drawing/2010/main" val="0"/>
               </a:ext>
               <a:ext uri="{96DAC541-7B7A-43D3-8B79-37D633B846F1}">
-                <asvg:svgBlip xmlns:asvg="http://schemas.microsoft.com/office/drawing/2016/SVG/main" xmlns="" r:embed="rId6"/>
+                <asvg:svgBlip xmlns="" xmlns:asvg="http://schemas.microsoft.com/office/drawing/2016/SVG/main" r:embed="rId6"/>
               </a:ext>
             </a:extLst>
           </a:blip>
@@ -4235,7 +4037,7 @@
                 <a14:useLocalDpi xmlns:a14="http://schemas.microsoft.com/office/drawing/2010/main" val="0"/>
               </a:ext>
               <a:ext uri="{96DAC541-7B7A-43D3-8B79-37D633B846F1}">
-                <asvg:svgBlip xmlns:asvg="http://schemas.microsoft.com/office/drawing/2016/SVG/main" xmlns="" r:embed="rId8"/>
+                <asvg:svgBlip xmlns="" xmlns:asvg="http://schemas.microsoft.com/office/drawing/2016/SVG/main" r:embed="rId8"/>
               </a:ext>
             </a:extLst>
           </a:blip>
@@ -4291,7 +4093,7 @@
                 <a14:useLocalDpi xmlns:a14="http://schemas.microsoft.com/office/drawing/2010/main" val="0"/>
               </a:ext>
               <a:ext uri="{96DAC541-7B7A-43D3-8B79-37D633B846F1}">
-                <asvg:svgBlip xmlns:asvg="http://schemas.microsoft.com/office/drawing/2016/SVG/main" xmlns="" r:embed="rId10"/>
+                <asvg:svgBlip xmlns="" xmlns:asvg="http://schemas.microsoft.com/office/drawing/2016/SVG/main" r:embed="rId10"/>
               </a:ext>
             </a:extLst>
           </a:blip>
@@ -4583,7 +4385,7 @@
                 <a14:useLocalDpi xmlns:a14="http://schemas.microsoft.com/office/drawing/2010/main" val="0"/>
               </a:ext>
               <a:ext uri="{96DAC541-7B7A-43D3-8B79-37D633B846F1}">
-                <asvg:svgBlip xmlns:asvg="http://schemas.microsoft.com/office/drawing/2016/SVG/main" xmlns="" r:embed="rId4"/>
+                <asvg:svgBlip xmlns="" xmlns:asvg="http://schemas.microsoft.com/office/drawing/2016/SVG/main" r:embed="rId4"/>
               </a:ext>
             </a:extLst>
           </a:blip>
@@ -4742,7 +4544,7 @@
                 <a14:useLocalDpi xmlns:a14="http://schemas.microsoft.com/office/drawing/2010/main" val="0"/>
               </a:ext>
               <a:ext uri="{96DAC541-7B7A-43D3-8B79-37D633B846F1}">
-                <asvg:svgBlip xmlns:asvg="http://schemas.microsoft.com/office/drawing/2016/SVG/main" xmlns="" r:embed="rId6"/>
+                <asvg:svgBlip xmlns="" xmlns:asvg="http://schemas.microsoft.com/office/drawing/2016/SVG/main" r:embed="rId6"/>
               </a:ext>
             </a:extLst>
           </a:blip>
@@ -5002,7 +4804,7 @@
       </dsp:nvSpPr>
       <dsp:spPr>
         <a:xfrm>
-          <a:off x="0" y="482902"/>
+          <a:off x="0" y="1254022"/>
           <a:ext cx="5489196" cy="428400"/>
         </a:xfrm>
         <a:prstGeom prst="rect">
@@ -5050,7 +4852,7 @@
       </dsp:nvSpPr>
       <dsp:spPr>
         <a:xfrm>
-          <a:off x="274459" y="231982"/>
+          <a:off x="274459" y="1003102"/>
           <a:ext cx="3842437" cy="501840"/>
         </a:xfrm>
         <a:prstGeom prst="roundRect">
@@ -5129,18 +4931,18 @@
         </a:p>
       </dsp:txBody>
       <dsp:txXfrm>
-        <a:off x="298957" y="256480"/>
+        <a:off x="298957" y="1027600"/>
         <a:ext cx="3793441" cy="452844"/>
       </dsp:txXfrm>
     </dsp:sp>
-    <dsp:sp modelId="{B054BBCB-A974-4EB0-AA5A-906C788282B7}">
+    <dsp:sp modelId="{B4E3E689-85B7-4E06-9268-C3A36414E2B6}">
       <dsp:nvSpPr>
         <dsp:cNvPr id="0" name=""/>
         <dsp:cNvSpPr/>
       </dsp:nvSpPr>
       <dsp:spPr>
         <a:xfrm>
-          <a:off x="0" y="1254022"/>
+          <a:off x="0" y="2025142"/>
           <a:ext cx="5489196" cy="428400"/>
         </a:xfrm>
         <a:prstGeom prst="rect">
@@ -5158,9 +4960,9 @@
         <a:ln w="12700" cap="flat" cmpd="sng" algn="ctr">
           <a:solidFill>
             <a:schemeClr val="accent2">
-              <a:hueOff val="191582"/>
-              <a:satOff val="-3129"/>
-              <a:lumOff val="196"/>
+              <a:hueOff val="287373"/>
+              <a:satOff val="-4693"/>
+              <a:lumOff val="294"/>
               <a:alphaOff val="0"/>
             </a:schemeClr>
           </a:solidFill>
@@ -5181,14 +4983,14 @@
         <a:fontRef idx="minor"/>
       </dsp:style>
     </dsp:sp>
-    <dsp:sp modelId="{A1F9AEB4-6398-429E-93EC-76017542F883}">
+    <dsp:sp modelId="{646518B0-9540-4836-9D95-0A89D10F8206}">
       <dsp:nvSpPr>
         <dsp:cNvPr id="0" name=""/>
         <dsp:cNvSpPr/>
       </dsp:nvSpPr>
       <dsp:spPr>
         <a:xfrm>
-          <a:off x="274459" y="1003102"/>
+          <a:off x="274459" y="1774222"/>
           <a:ext cx="3842437" cy="501840"/>
         </a:xfrm>
         <a:prstGeom prst="roundRect">
@@ -5196,9 +4998,9 @@
         </a:prstGeom>
         <a:solidFill>
           <a:schemeClr val="accent2">
-            <a:hueOff val="191582"/>
-            <a:satOff val="-3129"/>
-            <a:lumOff val="196"/>
+            <a:hueOff val="287373"/>
+            <a:satOff val="-4693"/>
+            <a:lumOff val="294"/>
             <a:alphaOff val="0"/>
           </a:schemeClr>
         </a:solidFill>
@@ -5251,140 +5053,9 @@
               <a:latin typeface="Cambria Math" panose="02040503050406030204" pitchFamily="18" charset="0"/>
               <a:ea typeface="Cambria Math" panose="02040503050406030204" pitchFamily="18" charset="0"/>
             </a:rPr>
-            <a:t>BPL User Registration module</a:t>
+            <a:t>ML-Driven Product Recommendation </a:t>
           </a:r>
-          <a:endParaRPr lang="en-US" sz="1700" b="1" kern="1200" dirty="0">
-            <a:latin typeface="Cambria Math" panose="02040503050406030204" pitchFamily="18" charset="0"/>
-            <a:ea typeface="Cambria Math" panose="02040503050406030204" pitchFamily="18" charset="0"/>
-          </a:endParaRPr>
-        </a:p>
-      </dsp:txBody>
-      <dsp:txXfrm>
-        <a:off x="298957" y="1027600"/>
-        <a:ext cx="3793441" cy="452844"/>
-      </dsp:txXfrm>
-    </dsp:sp>
-    <dsp:sp modelId="{48B80593-7D6D-44FF-8ED2-3A7529FCA7DC}">
-      <dsp:nvSpPr>
-        <dsp:cNvPr id="0" name=""/>
-        <dsp:cNvSpPr/>
-      </dsp:nvSpPr>
-      <dsp:spPr>
-        <a:xfrm>
-          <a:off x="0" y="2025142"/>
-          <a:ext cx="5489196" cy="428400"/>
-        </a:xfrm>
-        <a:prstGeom prst="rect">
-          <a:avLst/>
-        </a:prstGeom>
-        <a:solidFill>
-          <a:schemeClr val="lt1">
-            <a:alpha val="90000"/>
-            <a:hueOff val="0"/>
-            <a:satOff val="0"/>
-            <a:lumOff val="0"/>
-            <a:alphaOff val="0"/>
-          </a:schemeClr>
-        </a:solidFill>
-        <a:ln w="12700" cap="flat" cmpd="sng" algn="ctr">
-          <a:solidFill>
-            <a:schemeClr val="accent2">
-              <a:hueOff val="383163"/>
-              <a:satOff val="-6257"/>
-              <a:lumOff val="392"/>
-              <a:alphaOff val="0"/>
-            </a:schemeClr>
-          </a:solidFill>
-          <a:prstDash val="solid"/>
-        </a:ln>
-        <a:effectLst/>
-      </dsp:spPr>
-      <dsp:style>
-        <a:lnRef idx="2">
-          <a:scrgbClr r="0" g="0" b="0"/>
-        </a:lnRef>
-        <a:fillRef idx="1">
-          <a:scrgbClr r="0" g="0" b="0"/>
-        </a:fillRef>
-        <a:effectRef idx="0">
-          <a:scrgbClr r="0" g="0" b="0"/>
-        </a:effectRef>
-        <a:fontRef idx="minor"/>
-      </dsp:style>
-    </dsp:sp>
-    <dsp:sp modelId="{771856A8-9499-4FB4-9674-830252E6539F}">
-      <dsp:nvSpPr>
-        <dsp:cNvPr id="0" name=""/>
-        <dsp:cNvSpPr/>
-      </dsp:nvSpPr>
-      <dsp:spPr>
-        <a:xfrm>
-          <a:off x="274459" y="1774222"/>
-          <a:ext cx="3842437" cy="501840"/>
-        </a:xfrm>
-        <a:prstGeom prst="roundRect">
-          <a:avLst/>
-        </a:prstGeom>
-        <a:solidFill>
-          <a:schemeClr val="accent2">
-            <a:hueOff val="383163"/>
-            <a:satOff val="-6257"/>
-            <a:lumOff val="392"/>
-            <a:alphaOff val="0"/>
-          </a:schemeClr>
-        </a:solidFill>
-        <a:ln w="12700" cap="flat" cmpd="sng" algn="ctr">
-          <a:solidFill>
-            <a:schemeClr val="lt1">
-              <a:hueOff val="0"/>
-              <a:satOff val="0"/>
-              <a:lumOff val="0"/>
-              <a:alphaOff val="0"/>
-            </a:schemeClr>
-          </a:solidFill>
-          <a:prstDash val="solid"/>
-        </a:ln>
-        <a:effectLst/>
-      </dsp:spPr>
-      <dsp:style>
-        <a:lnRef idx="2">
-          <a:scrgbClr r="0" g="0" b="0"/>
-        </a:lnRef>
-        <a:fillRef idx="1">
-          <a:scrgbClr r="0" g="0" b="0"/>
-        </a:fillRef>
-        <a:effectRef idx="0">
-          <a:scrgbClr r="0" g="0" b="0"/>
-        </a:effectRef>
-        <a:fontRef idx="minor">
-          <a:schemeClr val="lt1"/>
-        </a:fontRef>
-      </dsp:style>
-      <dsp:txBody>
-        <a:bodyPr spcFirstLastPara="0" vert="horz" wrap="square" lIns="145235" tIns="0" rIns="145235" bIns="0" numCol="1" spcCol="1270" anchor="ctr" anchorCtr="0">
-          <a:noAutofit/>
-        </a:bodyPr>
-        <a:lstStyle/>
-        <a:p>
-          <a:pPr lvl="0" algn="l" defTabSz="755650">
-            <a:lnSpc>
-              <a:spcPct val="90000"/>
-            </a:lnSpc>
-            <a:spcBef>
-              <a:spcPct val="0"/>
-            </a:spcBef>
-            <a:spcAft>
-              <a:spcPct val="35000"/>
-            </a:spcAft>
-          </a:pPr>
-          <a:r>
-            <a:rPr lang="en-US" sz="1700" b="1" kern="1200" dirty="0" smtClean="0">
-              <a:latin typeface="Cambria Math" panose="02040503050406030204" pitchFamily="18" charset="0"/>
-              <a:ea typeface="Cambria Math" panose="02040503050406030204" pitchFamily="18" charset="0"/>
-            </a:rPr>
-            <a:t>Farmer Registration Module</a:t>
-          </a:r>
-          <a:endParaRPr lang="en-US" sz="1700" b="1" kern="1200" dirty="0">
+          <a:endParaRPr lang="en-US" sz="1700" kern="1200" dirty="0">
             <a:latin typeface="Cambria Math" panose="02040503050406030204" pitchFamily="18" charset="0"/>
             <a:ea typeface="Cambria Math" panose="02040503050406030204" pitchFamily="18" charset="0"/>
           </a:endParaRPr>
@@ -5395,7 +5066,7 @@
         <a:ext cx="3793441" cy="452844"/>
       </dsp:txXfrm>
     </dsp:sp>
-    <dsp:sp modelId="{B4E3E689-85B7-4E06-9268-C3A36414E2B6}">
+    <dsp:sp modelId="{62BD4F12-721D-44C8-B957-CC968C9157D5}">
       <dsp:nvSpPr>
         <dsp:cNvPr id="0" name=""/>
         <dsp:cNvSpPr/>
@@ -5443,7 +5114,7 @@
         <a:fontRef idx="minor"/>
       </dsp:style>
     </dsp:sp>
-    <dsp:sp modelId="{646518B0-9540-4836-9D95-0A89D10F8206}">
+    <dsp:sp modelId="{8E82D465-EEF5-4221-AB80-B103D969F87A}">
       <dsp:nvSpPr>
         <dsp:cNvPr id="0" name=""/>
         <dsp:cNvSpPr/>
@@ -5513,9 +5184,9 @@
               <a:latin typeface="Cambria Math" panose="02040503050406030204" pitchFamily="18" charset="0"/>
               <a:ea typeface="Cambria Math" panose="02040503050406030204" pitchFamily="18" charset="0"/>
             </a:rPr>
-            <a:t>ML-Driven Product Recommendation </a:t>
+            <a:t>ML-Driven Price trend analysis</a:t>
           </a:r>
-          <a:endParaRPr lang="en-US" sz="1700" kern="1200" dirty="0">
+          <a:endParaRPr lang="en-US" sz="1700" b="1" kern="1200" dirty="0">
             <a:latin typeface="Cambria Math" panose="02040503050406030204" pitchFamily="18" charset="0"/>
             <a:ea typeface="Cambria Math" panose="02040503050406030204" pitchFamily="18" charset="0"/>
           </a:endParaRPr>
@@ -5526,7 +5197,7 @@
         <a:ext cx="3793441" cy="452844"/>
       </dsp:txXfrm>
     </dsp:sp>
-    <dsp:sp modelId="{62BD4F12-721D-44C8-B957-CC968C9157D5}">
+    <dsp:sp modelId="{BA3136BD-9EA1-4353-B5CA-8D2A9AE208A7}">
       <dsp:nvSpPr>
         <dsp:cNvPr id="0" name=""/>
         <dsp:cNvSpPr/>
@@ -5551,140 +5222,9 @@
         <a:ln w="12700" cap="flat" cmpd="sng" algn="ctr">
           <a:solidFill>
             <a:schemeClr val="accent2">
-              <a:hueOff val="766327"/>
-              <a:satOff val="-12515"/>
-              <a:lumOff val="784"/>
-              <a:alphaOff val="0"/>
-            </a:schemeClr>
-          </a:solidFill>
-          <a:prstDash val="solid"/>
-        </a:ln>
-        <a:effectLst/>
-      </dsp:spPr>
-      <dsp:style>
-        <a:lnRef idx="2">
-          <a:scrgbClr r="0" g="0" b="0"/>
-        </a:lnRef>
-        <a:fillRef idx="1">
-          <a:scrgbClr r="0" g="0" b="0"/>
-        </a:fillRef>
-        <a:effectRef idx="0">
-          <a:scrgbClr r="0" g="0" b="0"/>
-        </a:effectRef>
-        <a:fontRef idx="minor"/>
-      </dsp:style>
-    </dsp:sp>
-    <dsp:sp modelId="{8E82D465-EEF5-4221-AB80-B103D969F87A}">
-      <dsp:nvSpPr>
-        <dsp:cNvPr id="0" name=""/>
-        <dsp:cNvSpPr/>
-      </dsp:nvSpPr>
-      <dsp:spPr>
-        <a:xfrm>
-          <a:off x="274459" y="3316462"/>
-          <a:ext cx="3842437" cy="501840"/>
-        </a:xfrm>
-        <a:prstGeom prst="roundRect">
-          <a:avLst/>
-        </a:prstGeom>
-        <a:solidFill>
-          <a:schemeClr val="accent2">
-            <a:hueOff val="766327"/>
-            <a:satOff val="-12515"/>
-            <a:lumOff val="784"/>
-            <a:alphaOff val="0"/>
-          </a:schemeClr>
-        </a:solidFill>
-        <a:ln w="12700" cap="flat" cmpd="sng" algn="ctr">
-          <a:solidFill>
-            <a:schemeClr val="lt1">
-              <a:hueOff val="0"/>
-              <a:satOff val="0"/>
-              <a:lumOff val="0"/>
-              <a:alphaOff val="0"/>
-            </a:schemeClr>
-          </a:solidFill>
-          <a:prstDash val="solid"/>
-        </a:ln>
-        <a:effectLst/>
-      </dsp:spPr>
-      <dsp:style>
-        <a:lnRef idx="2">
-          <a:scrgbClr r="0" g="0" b="0"/>
-        </a:lnRef>
-        <a:fillRef idx="1">
-          <a:scrgbClr r="0" g="0" b="0"/>
-        </a:fillRef>
-        <a:effectRef idx="0">
-          <a:scrgbClr r="0" g="0" b="0"/>
-        </a:effectRef>
-        <a:fontRef idx="minor">
-          <a:schemeClr val="lt1"/>
-        </a:fontRef>
-      </dsp:style>
-      <dsp:txBody>
-        <a:bodyPr spcFirstLastPara="0" vert="horz" wrap="square" lIns="145235" tIns="0" rIns="145235" bIns="0" numCol="1" spcCol="1270" anchor="ctr" anchorCtr="0">
-          <a:noAutofit/>
-        </a:bodyPr>
-        <a:lstStyle/>
-        <a:p>
-          <a:pPr lvl="0" algn="l" defTabSz="755650">
-            <a:lnSpc>
-              <a:spcPct val="90000"/>
-            </a:lnSpc>
-            <a:spcBef>
-              <a:spcPct val="0"/>
-            </a:spcBef>
-            <a:spcAft>
-              <a:spcPct val="35000"/>
-            </a:spcAft>
-          </a:pPr>
-          <a:r>
-            <a:rPr lang="en-US" sz="1700" b="1" kern="1200" dirty="0" smtClean="0">
-              <a:latin typeface="Cambria Math" panose="02040503050406030204" pitchFamily="18" charset="0"/>
-              <a:ea typeface="Cambria Math" panose="02040503050406030204" pitchFamily="18" charset="0"/>
-            </a:rPr>
-            <a:t>ML-Driven Price trend analysis</a:t>
-          </a:r>
-          <a:endParaRPr lang="en-US" sz="1700" b="1" kern="1200" dirty="0">
-            <a:latin typeface="Cambria Math" panose="02040503050406030204" pitchFamily="18" charset="0"/>
-            <a:ea typeface="Cambria Math" panose="02040503050406030204" pitchFamily="18" charset="0"/>
-          </a:endParaRPr>
-        </a:p>
-      </dsp:txBody>
-      <dsp:txXfrm>
-        <a:off x="298957" y="3340960"/>
-        <a:ext cx="3793441" cy="452844"/>
-      </dsp:txXfrm>
-    </dsp:sp>
-    <dsp:sp modelId="{BA3136BD-9EA1-4353-B5CA-8D2A9AE208A7}">
-      <dsp:nvSpPr>
-        <dsp:cNvPr id="0" name=""/>
-        <dsp:cNvSpPr/>
-      </dsp:nvSpPr>
-      <dsp:spPr>
-        <a:xfrm>
-          <a:off x="0" y="4338502"/>
-          <a:ext cx="5489196" cy="428400"/>
-        </a:xfrm>
-        <a:prstGeom prst="rect">
-          <a:avLst/>
-        </a:prstGeom>
-        <a:solidFill>
-          <a:schemeClr val="lt1">
-            <a:alpha val="90000"/>
-            <a:hueOff val="0"/>
-            <a:satOff val="0"/>
-            <a:lumOff val="0"/>
-            <a:alphaOff val="0"/>
-          </a:schemeClr>
-        </a:solidFill>
-        <a:ln w="12700" cap="flat" cmpd="sng" algn="ctr">
-          <a:solidFill>
-            <a:schemeClr val="accent2">
-              <a:hueOff val="957908"/>
-              <a:satOff val="-15643"/>
-              <a:lumOff val="980"/>
+              <a:hueOff val="862118"/>
+              <a:satOff val="-14079"/>
+              <a:lumOff val="882"/>
               <a:alphaOff val="0"/>
             </a:schemeClr>
           </a:solidFill>
@@ -5712,7 +5252,7 @@
       </dsp:nvSpPr>
       <dsp:spPr>
         <a:xfrm>
-          <a:off x="274459" y="4087582"/>
+          <a:off x="274459" y="3316462"/>
           <a:ext cx="3842437" cy="501840"/>
         </a:xfrm>
         <a:prstGeom prst="roundRect">
@@ -5720,9 +5260,9 @@
         </a:prstGeom>
         <a:solidFill>
           <a:schemeClr val="accent2">
-            <a:hueOff val="957908"/>
-            <a:satOff val="-15643"/>
-            <a:lumOff val="980"/>
+            <a:hueOff val="862118"/>
+            <a:satOff val="-14079"/>
+            <a:lumOff val="882"/>
             <a:alphaOff val="0"/>
           </a:schemeClr>
         </a:solidFill>
@@ -5784,7 +5324,7 @@
         </a:p>
       </dsp:txBody>
       <dsp:txXfrm>
-        <a:off x="298957" y="4112080"/>
+        <a:off x="298957" y="3340960"/>
         <a:ext cx="3793441" cy="452844"/>
       </dsp:txXfrm>
     </dsp:sp>
@@ -5795,7 +5335,7 @@
       </dsp:nvSpPr>
       <dsp:spPr>
         <a:xfrm>
-          <a:off x="0" y="5109622"/>
+          <a:off x="0" y="4338502"/>
           <a:ext cx="5489196" cy="428400"/>
         </a:xfrm>
         <a:prstGeom prst="rect">
@@ -5843,7 +5383,7 @@
       </dsp:nvSpPr>
       <dsp:spPr>
         <a:xfrm>
-          <a:off x="274459" y="4858702"/>
+          <a:off x="274459" y="4087582"/>
           <a:ext cx="3842437" cy="501840"/>
         </a:xfrm>
         <a:prstGeom prst="roundRect">
@@ -5915,7 +5455,7 @@
         </a:p>
       </dsp:txBody>
       <dsp:txXfrm>
-        <a:off x="298957" y="4883200"/>
+        <a:off x="298957" y="4112080"/>
         <a:ext cx="3793441" cy="452844"/>
       </dsp:txXfrm>
     </dsp:sp>
@@ -5951,7 +5491,7 @@
                 <a14:useLocalDpi xmlns:a14="http://schemas.microsoft.com/office/drawing/2010/main" val="0"/>
               </a:ext>
               <a:ext uri="{96DAC541-7B7A-43D3-8B79-37D633B846F1}">
-                <asvg:svgBlip xmlns:asvg="http://schemas.microsoft.com/office/drawing/2016/SVG/main" xmlns="" r:embed="rId2"/>
+                <asvg:svgBlip xmlns="" xmlns:asvg="http://schemas.microsoft.com/office/drawing/2016/SVG/main" r:embed="rId2"/>
               </a:ext>
             </a:extLst>
           </a:blip>
@@ -6063,7 +5603,7 @@
                 <a14:useLocalDpi xmlns:a14="http://schemas.microsoft.com/office/drawing/2010/main" val="0"/>
               </a:ext>
               <a:ext uri="{96DAC541-7B7A-43D3-8B79-37D633B846F1}">
-                <asvg:svgBlip xmlns:asvg="http://schemas.microsoft.com/office/drawing/2016/SVG/main" xmlns="" r:embed="rId4"/>
+                <asvg:svgBlip xmlns="" xmlns:asvg="http://schemas.microsoft.com/office/drawing/2016/SVG/main" r:embed="rId4"/>
               </a:ext>
             </a:extLst>
           </a:blip>
@@ -6188,7 +5728,7 @@
                 <a14:useLocalDpi xmlns:a14="http://schemas.microsoft.com/office/drawing/2010/main" val="0"/>
               </a:ext>
               <a:ext uri="{96DAC541-7B7A-43D3-8B79-37D633B846F1}">
-                <asvg:svgBlip xmlns:asvg="http://schemas.microsoft.com/office/drawing/2016/SVG/main" xmlns="" r:embed="rId6"/>
+                <asvg:svgBlip xmlns="" xmlns:asvg="http://schemas.microsoft.com/office/drawing/2016/SVG/main" r:embed="rId6"/>
               </a:ext>
             </a:extLst>
           </a:blip>
@@ -6300,7 +5840,7 @@
                 <a14:useLocalDpi xmlns:a14="http://schemas.microsoft.com/office/drawing/2010/main" val="0"/>
               </a:ext>
               <a:ext uri="{96DAC541-7B7A-43D3-8B79-37D633B846F1}">
-                <asvg:svgBlip xmlns:asvg="http://schemas.microsoft.com/office/drawing/2016/SVG/main" xmlns="" r:embed="rId8"/>
+                <asvg:svgBlip xmlns="" xmlns:asvg="http://schemas.microsoft.com/office/drawing/2016/SVG/main" r:embed="rId8"/>
               </a:ext>
             </a:extLst>
           </a:blip>
@@ -6412,7 +5952,7 @@
                 <a14:useLocalDpi xmlns:a14="http://schemas.microsoft.com/office/drawing/2010/main" val="0"/>
               </a:ext>
               <a:ext uri="{96DAC541-7B7A-43D3-8B79-37D633B846F1}">
-                <asvg:svgBlip xmlns:asvg="http://schemas.microsoft.com/office/drawing/2016/SVG/main" xmlns="" r:embed="rId10"/>
+                <asvg:svgBlip xmlns="" xmlns:asvg="http://schemas.microsoft.com/office/drawing/2016/SVG/main" r:embed="rId10"/>
               </a:ext>
             </a:extLst>
           </a:blip>
@@ -6798,7 +6338,7 @@
   </dgm:layoutNode>
   <dgm:extLst>
     <a:ext uri="{68A01E43-0DF5-4B5B-8FA6-DAF915123BFB}">
-      <dgm1612:lstStyle xmlns:dgm1612="http://schemas.microsoft.com/office/drawing/2016/12/diagram" xmlns="">
+      <dgm1612:lstStyle xmlns="" xmlns:dgm1612="http://schemas.microsoft.com/office/drawing/2016/12/diagram">
         <a:lvl1pPr>
           <a:lnSpc>
             <a:spcPct val="100000"/>
@@ -7218,7 +6758,7 @@
   </dgm:layoutNode>
   <dgm:extLst>
     <a:ext uri="{68A01E43-0DF5-4B5B-8FA6-DAF915123BFB}">
-      <dgm1612:lstStyle xmlns:dgm1612="http://schemas.microsoft.com/office/drawing/2016/12/diagram" xmlns="">
+      <dgm1612:lstStyle xmlns="" xmlns:dgm1612="http://schemas.microsoft.com/office/drawing/2016/12/diagram">
         <a:lvl1pPr>
           <a:lnSpc>
             <a:spcPct val="100000"/>
@@ -10414,7 +9954,7 @@
           <a:p>
             <a:fld id="{5E2574E5-6F06-4D15-95A2-A90663115A6B}" type="datetimeFigureOut">
               <a:rPr lang="en-IN" smtClean="0"/>
-              <a:t>28-01-2025</a:t>
+              <a:t>31-01-2025</a:t>
             </a:fld>
             <a:endParaRPr lang="en-IN"/>
           </a:p>
@@ -11020,7 +10560,7 @@
           <a:p>
             <a:fld id="{5BCAD085-E8A6-8845-BD4E-CB4CCA059FC4}" type="datetimeFigureOut">
               <a:rPr lang="en-US" smtClean="0"/>
-              <a:t>1/28/2025</a:t>
+              <a:t>1/31/2025</a:t>
             </a:fld>
             <a:endParaRPr lang="en-US"/>
           </a:p>
@@ -11287,7 +10827,7 @@
           <a:p>
             <a:fld id="{5BCAD085-E8A6-8845-BD4E-CB4CCA059FC4}" type="datetimeFigureOut">
               <a:rPr lang="en-US" smtClean="0"/>
-              <a:t>1/28/2025</a:t>
+              <a:t>1/31/2025</a:t>
             </a:fld>
             <a:endParaRPr lang="en-US"/>
           </a:p>
@@ -11518,7 +11058,7 @@
           <a:p>
             <a:fld id="{5BCAD085-E8A6-8845-BD4E-CB4CCA059FC4}" type="datetimeFigureOut">
               <a:rPr lang="en-US" smtClean="0"/>
-              <a:t>1/28/2025</a:t>
+              <a:t>1/31/2025</a:t>
             </a:fld>
             <a:endParaRPr lang="en-US"/>
           </a:p>
@@ -11828,7 +11368,7 @@
           <a:p>
             <a:fld id="{5BCAD085-E8A6-8845-BD4E-CB4CCA059FC4}" type="datetimeFigureOut">
               <a:rPr lang="en-US" smtClean="0"/>
-              <a:t>1/28/2025</a:t>
+              <a:t>1/31/2025</a:t>
             </a:fld>
             <a:endParaRPr lang="en-US"/>
           </a:p>
@@ -12301,7 +11841,7 @@
           <a:p>
             <a:fld id="{5BCAD085-E8A6-8845-BD4E-CB4CCA059FC4}" type="datetimeFigureOut">
               <a:rPr lang="en-US" smtClean="0"/>
-              <a:t>1/28/2025</a:t>
+              <a:t>1/31/2025</a:t>
             </a:fld>
             <a:endParaRPr lang="en-US"/>
           </a:p>
@@ -12848,7 +12388,7 @@
           <a:p>
             <a:fld id="{5BCAD085-E8A6-8845-BD4E-CB4CCA059FC4}" type="datetimeFigureOut">
               <a:rPr lang="en-US" smtClean="0"/>
-              <a:t>1/28/2025</a:t>
+              <a:t>1/31/2025</a:t>
             </a:fld>
             <a:endParaRPr lang="en-US"/>
           </a:p>
@@ -13622,7 +13162,7 @@
           <a:p>
             <a:fld id="{5BCAD085-E8A6-8845-BD4E-CB4CCA059FC4}" type="datetimeFigureOut">
               <a:rPr lang="en-US" smtClean="0"/>
-              <a:t>1/28/2025</a:t>
+              <a:t>1/31/2025</a:t>
             </a:fld>
             <a:endParaRPr lang="en-US"/>
           </a:p>
@@ -13797,7 +13337,7 @@
           <a:p>
             <a:fld id="{5BCAD085-E8A6-8845-BD4E-CB4CCA059FC4}" type="datetimeFigureOut">
               <a:rPr lang="en-US" smtClean="0"/>
-              <a:t>1/28/2025</a:t>
+              <a:t>1/31/2025</a:t>
             </a:fld>
             <a:endParaRPr lang="en-US"/>
           </a:p>
@@ -14020,7 +13560,7 @@
           <a:p>
             <a:fld id="{5BCAD085-E8A6-8845-BD4E-CB4CCA059FC4}" type="datetimeFigureOut">
               <a:rPr lang="en-US" smtClean="0"/>
-              <a:t>1/28/2025</a:t>
+              <a:t>1/31/2025</a:t>
             </a:fld>
             <a:endParaRPr lang="en-US"/>
           </a:p>
@@ -14200,7 +13740,7 @@
           <a:p>
             <a:fld id="{5BCAD085-E8A6-8845-BD4E-CB4CCA059FC4}" type="datetimeFigureOut">
               <a:rPr lang="en-US" smtClean="0"/>
-              <a:t>1/28/2025</a:t>
+              <a:t>1/31/2025</a:t>
             </a:fld>
             <a:endParaRPr lang="en-US"/>
           </a:p>
@@ -14489,7 +14029,7 @@
           <a:p>
             <a:fld id="{5BCAD085-E8A6-8845-BD4E-CB4CCA059FC4}" type="datetimeFigureOut">
               <a:rPr lang="en-US" smtClean="0"/>
-              <a:t>1/28/2025</a:t>
+              <a:t>1/31/2025</a:t>
             </a:fld>
             <a:endParaRPr lang="en-US"/>
           </a:p>
@@ -14731,7 +14271,7 @@
           <a:p>
             <a:fld id="{5BCAD085-E8A6-8845-BD4E-CB4CCA059FC4}" type="datetimeFigureOut">
               <a:rPr lang="en-US" smtClean="0"/>
-              <a:t>1/28/2025</a:t>
+              <a:t>1/31/2025</a:t>
             </a:fld>
             <a:endParaRPr lang="en-US"/>
           </a:p>
@@ -15110,7 +14650,7 @@
           <a:p>
             <a:fld id="{5BCAD085-E8A6-8845-BD4E-CB4CCA059FC4}" type="datetimeFigureOut">
               <a:rPr lang="en-US" smtClean="0"/>
-              <a:t>1/28/2025</a:t>
+              <a:t>1/31/2025</a:t>
             </a:fld>
             <a:endParaRPr lang="en-US"/>
           </a:p>
@@ -15228,7 +14768,7 @@
           <a:p>
             <a:fld id="{5BCAD085-E8A6-8845-BD4E-CB4CCA059FC4}" type="datetimeFigureOut">
               <a:rPr lang="en-US" smtClean="0"/>
-              <a:t>1/28/2025</a:t>
+              <a:t>1/31/2025</a:t>
             </a:fld>
             <a:endParaRPr lang="en-US"/>
           </a:p>
@@ -15323,7 +14863,7 @@
           <a:p>
             <a:fld id="{5BCAD085-E8A6-8845-BD4E-CB4CCA059FC4}" type="datetimeFigureOut">
               <a:rPr lang="en-US" smtClean="0"/>
-              <a:t>1/28/2025</a:t>
+              <a:t>1/31/2025</a:t>
             </a:fld>
             <a:endParaRPr lang="en-US"/>
           </a:p>
@@ -15572,7 +15112,7 @@
           <a:p>
             <a:fld id="{5BCAD085-E8A6-8845-BD4E-CB4CCA059FC4}" type="datetimeFigureOut">
               <a:rPr lang="en-US" smtClean="0"/>
-              <a:t>1/28/2025</a:t>
+              <a:t>1/31/2025</a:t>
             </a:fld>
             <a:endParaRPr lang="en-US"/>
           </a:p>
@@ -15829,7 +15369,7 @@
           <a:p>
             <a:fld id="{5BCAD085-E8A6-8845-BD4E-CB4CCA059FC4}" type="datetimeFigureOut">
               <a:rPr lang="en-US" smtClean="0"/>
-              <a:t>1/28/2025</a:t>
+              <a:t>1/31/2025</a:t>
             </a:fld>
             <a:endParaRPr lang="en-US"/>
           </a:p>
@@ -16072,7 +15612,7 @@
           <a:p>
             <a:fld id="{5BCAD085-E8A6-8845-BD4E-CB4CCA059FC4}" type="datetimeFigureOut">
               <a:rPr lang="en-US" smtClean="0"/>
-              <a:t>1/28/2025</a:t>
+              <a:t>1/31/2025</a:t>
             </a:fld>
             <a:endParaRPr lang="en-US"/>
           </a:p>
@@ -16996,7 +16536,7 @@
                 <a16:creationId xmlns:a16="http://schemas.microsoft.com/office/drawing/2014/main" id="{1FBDED38-E809-47DF-A501-94A1EC4CF7BB}"/>
               </a:ext>
               <a:ext uri="{C183D7F6-B498-43B3-948B-1728B52AA6E4}">
-                <adec:decorative xmlns:adec="http://schemas.microsoft.com/office/drawing/2017/decorative" xmlns="" val="1"/>
+                <adec:decorative xmlns="" xmlns:adec="http://schemas.microsoft.com/office/drawing/2017/decorative" val="1"/>
               </a:ext>
             </a:extLst>
           </p:cNvPr>
@@ -17041,7 +16581,7 @@
                 <a16:creationId xmlns:a16="http://schemas.microsoft.com/office/drawing/2014/main" id="{7D3066CB-F1D7-4B22-AAD8-EDDB625F9E63}"/>
               </a:ext>
               <a:ext uri="{C183D7F6-B498-43B3-948B-1728B52AA6E4}">
-                <adec:decorative xmlns:adec="http://schemas.microsoft.com/office/drawing/2017/decorative" xmlns="" val="1"/>
+                <adec:decorative xmlns="" xmlns:adec="http://schemas.microsoft.com/office/drawing/2017/decorative" val="1"/>
               </a:ext>
             </a:extLst>
           </p:cNvPr>
@@ -17101,7 +16641,7 @@
                 <a16:creationId xmlns:a16="http://schemas.microsoft.com/office/drawing/2014/main" id="{39634629-2027-4274-B784-6089326A1CDE}"/>
               </a:ext>
               <a:ext uri="{C183D7F6-B498-43B3-948B-1728B52AA6E4}">
-                <adec:decorative xmlns:adec="http://schemas.microsoft.com/office/drawing/2017/decorative" xmlns="" val="1"/>
+                <adec:decorative xmlns="" xmlns:adec="http://schemas.microsoft.com/office/drawing/2017/decorative" val="1"/>
               </a:ext>
             </a:extLst>
           </p:cNvPr>
@@ -17169,7 +16709,7 @@
                 <a16:creationId xmlns:a16="http://schemas.microsoft.com/office/drawing/2014/main" id="{0381B5E6-EFDB-41ED-B736-AF2A52C5F3F7}"/>
               </a:ext>
               <a:ext uri="{C183D7F6-B498-43B3-948B-1728B52AA6E4}">
-                <adec:decorative xmlns:adec="http://schemas.microsoft.com/office/drawing/2017/decorative" xmlns="" val="1"/>
+                <adec:decorative xmlns="" xmlns:adec="http://schemas.microsoft.com/office/drawing/2017/decorative" val="1"/>
               </a:ext>
             </a:extLst>
           </p:cNvPr>
@@ -17329,7 +16869,7 @@
                 <a16:creationId xmlns:a16="http://schemas.microsoft.com/office/drawing/2014/main" id="{9DA15B1D-0133-4CB3-B7CC-61FA728745D1}"/>
               </a:ext>
               <a:ext uri="{C183D7F6-B498-43B3-948B-1728B52AA6E4}">
-                <adec:decorative xmlns:adec="http://schemas.microsoft.com/office/drawing/2017/decorative" xmlns="" val="1"/>
+                <adec:decorative xmlns="" xmlns:adec="http://schemas.microsoft.com/office/drawing/2017/decorative" val="1"/>
               </a:ext>
             </a:extLst>
           </p:cNvPr>
@@ -17392,7 +16932,7 @@
                 <a16:creationId xmlns:a16="http://schemas.microsoft.com/office/drawing/2014/main" id="{3EF2F61C-287D-47BC-878F-C876F74FFDD2}"/>
               </a:ext>
               <a:ext uri="{C183D7F6-B498-43B3-948B-1728B52AA6E4}">
-                <adec:decorative xmlns:adec="http://schemas.microsoft.com/office/drawing/2017/decorative" xmlns="" val="1"/>
+                <adec:decorative xmlns="" xmlns:adec="http://schemas.microsoft.com/office/drawing/2017/decorative" val="1"/>
               </a:ext>
             </a:extLst>
           </p:cNvPr>
@@ -17788,9 +17328,6 @@
               </a:rPr>
               <a:t>.</a:t>
             </a:r>
-            <a:endParaRPr lang="en-US" altLang="en-US" sz="2400" dirty="0">
-              <a:latin typeface="Arial" panose="020B0604020202020204" pitchFamily="34" charset="0"/>
-            </a:endParaRPr>
           </a:p>
         </p:txBody>
       </p:sp>
@@ -17802,7 +17339,7 @@
                 <a16:creationId xmlns:a16="http://schemas.microsoft.com/office/drawing/2014/main" id="{B5BA9375-863F-4B24-9083-14FE819F8E05}"/>
               </a:ext>
               <a:ext uri="{C183D7F6-B498-43B3-948B-1728B52AA6E4}">
-                <adec:decorative xmlns:adec="http://schemas.microsoft.com/office/drawing/2017/decorative" xmlns="" val="1"/>
+                <adec:decorative xmlns="" xmlns:adec="http://schemas.microsoft.com/office/drawing/2017/decorative" val="1"/>
               </a:ext>
             </a:extLst>
           </p:cNvPr>
@@ -17954,7 +17491,7 @@
                 <a16:creationId xmlns:a16="http://schemas.microsoft.com/office/drawing/2014/main" id="{843DD86A-8FAA-443F-9211-42A2AE8A790C}"/>
               </a:ext>
               <a:ext uri="{C183D7F6-B498-43B3-948B-1728B52AA6E4}">
-                <adec:decorative xmlns:adec="http://schemas.microsoft.com/office/drawing/2017/decorative" xmlns="" val="1"/>
+                <adec:decorative xmlns="" xmlns:adec="http://schemas.microsoft.com/office/drawing/2017/decorative" val="1"/>
               </a:ext>
             </a:extLst>
           </p:cNvPr>
@@ -18017,7 +17554,7 @@
                 <a16:creationId xmlns:a16="http://schemas.microsoft.com/office/drawing/2014/main" id="{C2A13AAE-18EB-4BDF-BAF7-F2F97B8D00D6}"/>
               </a:ext>
               <a:ext uri="{C183D7F6-B498-43B3-948B-1728B52AA6E4}">
-                <adec:decorative xmlns:adec="http://schemas.microsoft.com/office/drawing/2017/decorative" xmlns="" val="1"/>
+                <adec:decorative xmlns="" xmlns:adec="http://schemas.microsoft.com/office/drawing/2017/decorative" val="1"/>
               </a:ext>
             </a:extLst>
           </p:cNvPr>
@@ -18087,7 +17624,7 @@
                 <a16:creationId xmlns:a16="http://schemas.microsoft.com/office/drawing/2014/main" id="{0F5C1B21-B0DB-4206-99EE-C13D67038B93}"/>
               </a:ext>
               <a:ext uri="{C183D7F6-B498-43B3-948B-1728B52AA6E4}">
-                <adec:decorative xmlns:adec="http://schemas.microsoft.com/office/drawing/2017/decorative" xmlns="" val="1"/>
+                <adec:decorative xmlns="" xmlns:adec="http://schemas.microsoft.com/office/drawing/2017/decorative" val="1"/>
               </a:ext>
             </a:extLst>
           </p:cNvPr>
@@ -18131,7 +17668,7 @@
                 <a16:creationId xmlns:a16="http://schemas.microsoft.com/office/drawing/2014/main" id="{49261589-06E9-4B7C-A8F1-26648507B77B}"/>
               </a:ext>
               <a:ext uri="{C183D7F6-B498-43B3-948B-1728B52AA6E4}">
-                <adec:decorative xmlns:adec="http://schemas.microsoft.com/office/drawing/2017/decorative" xmlns="" val="1"/>
+                <adec:decorative xmlns="" xmlns:adec="http://schemas.microsoft.com/office/drawing/2017/decorative" val="1"/>
               </a:ext>
             </a:extLst>
           </p:cNvPr>
@@ -18276,9 +17813,6 @@
               </a:rPr>
               <a:t>systems like online marketplaces (e.g., Amazon, Flipkart) focus on generic products but lack health-specific food recommendations tailored to users' health conditions or symptoms.</a:t>
             </a:r>
-            <a:endParaRPr lang="en-US" altLang="en-US" dirty="0">
-              <a:latin typeface="Bahnschrift Light" panose="020B0502040204020203" pitchFamily="34" charset="0"/>
-            </a:endParaRPr>
           </a:p>
         </p:txBody>
       </p:sp>
@@ -18550,7 +18084,7 @@
                 <a16:creationId xmlns:a16="http://schemas.microsoft.com/office/drawing/2014/main" id="{843DD86A-8FAA-443F-9211-42A2AE8A790C}"/>
               </a:ext>
               <a:ext uri="{C183D7F6-B498-43B3-948B-1728B52AA6E4}">
-                <adec:decorative xmlns:adec="http://schemas.microsoft.com/office/drawing/2017/decorative" xmlns="" val="1"/>
+                <adec:decorative xmlns="" xmlns:adec="http://schemas.microsoft.com/office/drawing/2017/decorative" val="1"/>
               </a:ext>
             </a:extLst>
           </p:cNvPr>
@@ -18613,7 +18147,7 @@
                 <a16:creationId xmlns:a16="http://schemas.microsoft.com/office/drawing/2014/main" id="{C2A13AAE-18EB-4BDF-BAF7-F2F97B8D00D6}"/>
               </a:ext>
               <a:ext uri="{C183D7F6-B498-43B3-948B-1728B52AA6E4}">
-                <adec:decorative xmlns:adec="http://schemas.microsoft.com/office/drawing/2017/decorative" xmlns="" val="1"/>
+                <adec:decorative xmlns="" xmlns:adec="http://schemas.microsoft.com/office/drawing/2017/decorative" val="1"/>
               </a:ext>
             </a:extLst>
           </p:cNvPr>
@@ -18683,7 +18217,7 @@
                 <a16:creationId xmlns:a16="http://schemas.microsoft.com/office/drawing/2014/main" id="{0F5C1B21-B0DB-4206-99EE-C13D67038B93}"/>
               </a:ext>
               <a:ext uri="{C183D7F6-B498-43B3-948B-1728B52AA6E4}">
-                <adec:decorative xmlns:adec="http://schemas.microsoft.com/office/drawing/2017/decorative" xmlns="" val="1"/>
+                <adec:decorative xmlns="" xmlns:adec="http://schemas.microsoft.com/office/drawing/2017/decorative" val="1"/>
               </a:ext>
             </a:extLst>
           </p:cNvPr>
@@ -18727,7 +18261,7 @@
                 <a16:creationId xmlns:a16="http://schemas.microsoft.com/office/drawing/2014/main" id="{49261589-06E9-4B7C-A8F1-26648507B77B}"/>
               </a:ext>
               <a:ext uri="{C183D7F6-B498-43B3-948B-1728B52AA6E4}">
-                <adec:decorative xmlns:adec="http://schemas.microsoft.com/office/drawing/2017/decorative" xmlns="" val="1"/>
+                <adec:decorative xmlns="" xmlns:adec="http://schemas.microsoft.com/office/drawing/2017/decorative" val="1"/>
               </a:ext>
             </a:extLst>
           </p:cNvPr>
@@ -18992,7 +18526,7 @@
                 <a16:creationId xmlns:a16="http://schemas.microsoft.com/office/drawing/2014/main" id="{843DD86A-8FAA-443F-9211-42A2AE8A790C}"/>
               </a:ext>
               <a:ext uri="{C183D7F6-B498-43B3-948B-1728B52AA6E4}">
-                <adec:decorative xmlns:adec="http://schemas.microsoft.com/office/drawing/2017/decorative" xmlns="" val="1"/>
+                <adec:decorative xmlns="" xmlns:adec="http://schemas.microsoft.com/office/drawing/2017/decorative" val="1"/>
               </a:ext>
             </a:extLst>
           </p:cNvPr>
@@ -19055,7 +18589,7 @@
                 <a16:creationId xmlns:a16="http://schemas.microsoft.com/office/drawing/2014/main" id="{C2A13AAE-18EB-4BDF-BAF7-F2F97B8D00D6}"/>
               </a:ext>
               <a:ext uri="{C183D7F6-B498-43B3-948B-1728B52AA6E4}">
-                <adec:decorative xmlns:adec="http://schemas.microsoft.com/office/drawing/2017/decorative" xmlns="" val="1"/>
+                <adec:decorative xmlns="" xmlns:adec="http://schemas.microsoft.com/office/drawing/2017/decorative" val="1"/>
               </a:ext>
             </a:extLst>
           </p:cNvPr>
@@ -19125,7 +18659,7 @@
                 <a16:creationId xmlns:a16="http://schemas.microsoft.com/office/drawing/2014/main" id="{0F5C1B21-B0DB-4206-99EE-C13D67038B93}"/>
               </a:ext>
               <a:ext uri="{C183D7F6-B498-43B3-948B-1728B52AA6E4}">
-                <adec:decorative xmlns:adec="http://schemas.microsoft.com/office/drawing/2017/decorative" xmlns="" val="1"/>
+                <adec:decorative xmlns="" xmlns:adec="http://schemas.microsoft.com/office/drawing/2017/decorative" val="1"/>
               </a:ext>
             </a:extLst>
           </p:cNvPr>
@@ -19169,7 +18703,7 @@
                 <a16:creationId xmlns:a16="http://schemas.microsoft.com/office/drawing/2014/main" id="{49261589-06E9-4B7C-A8F1-26648507B77B}"/>
               </a:ext>
               <a:ext uri="{C183D7F6-B498-43B3-948B-1728B52AA6E4}">
-                <adec:decorative xmlns:adec="http://schemas.microsoft.com/office/drawing/2017/decorative" xmlns="" val="1"/>
+                <adec:decorative xmlns="" xmlns:adec="http://schemas.microsoft.com/office/drawing/2017/decorative" val="1"/>
               </a:ext>
             </a:extLst>
           </p:cNvPr>
@@ -19544,7 +19078,7 @@
                 <a16:creationId xmlns:a16="http://schemas.microsoft.com/office/drawing/2014/main" id="{843DD86A-8FAA-443F-9211-42A2AE8A790C}"/>
               </a:ext>
               <a:ext uri="{C183D7F6-B498-43B3-948B-1728B52AA6E4}">
-                <adec:decorative xmlns:adec="http://schemas.microsoft.com/office/drawing/2017/decorative" xmlns="" val="1"/>
+                <adec:decorative xmlns="" xmlns:adec="http://schemas.microsoft.com/office/drawing/2017/decorative" val="1"/>
               </a:ext>
             </a:extLst>
           </p:cNvPr>
@@ -19607,7 +19141,7 @@
                 <a16:creationId xmlns:a16="http://schemas.microsoft.com/office/drawing/2014/main" id="{C2A13AAE-18EB-4BDF-BAF7-F2F97B8D00D6}"/>
               </a:ext>
               <a:ext uri="{C183D7F6-B498-43B3-948B-1728B52AA6E4}">
-                <adec:decorative xmlns:adec="http://schemas.microsoft.com/office/drawing/2017/decorative" xmlns="" val="1"/>
+                <adec:decorative xmlns="" xmlns:adec="http://schemas.microsoft.com/office/drawing/2017/decorative" val="1"/>
               </a:ext>
             </a:extLst>
           </p:cNvPr>
@@ -19677,7 +19211,7 @@
                 <a16:creationId xmlns:a16="http://schemas.microsoft.com/office/drawing/2014/main" id="{0F5C1B21-B0DB-4206-99EE-C13D67038B93}"/>
               </a:ext>
               <a:ext uri="{C183D7F6-B498-43B3-948B-1728B52AA6E4}">
-                <adec:decorative xmlns:adec="http://schemas.microsoft.com/office/drawing/2017/decorative" xmlns="" val="1"/>
+                <adec:decorative xmlns="" xmlns:adec="http://schemas.microsoft.com/office/drawing/2017/decorative" val="1"/>
               </a:ext>
             </a:extLst>
           </p:cNvPr>
@@ -19721,7 +19255,7 @@
                 <a16:creationId xmlns:a16="http://schemas.microsoft.com/office/drawing/2014/main" id="{49261589-06E9-4B7C-A8F1-26648507B77B}"/>
               </a:ext>
               <a:ext uri="{C183D7F6-B498-43B3-948B-1728B52AA6E4}">
-                <adec:decorative xmlns:adec="http://schemas.microsoft.com/office/drawing/2017/decorative" xmlns="" val="1"/>
+                <adec:decorative xmlns="" xmlns:adec="http://schemas.microsoft.com/office/drawing/2017/decorative" val="1"/>
               </a:ext>
             </a:extLst>
           </p:cNvPr>
@@ -19806,7 +19340,7 @@
             <p:ph idx="1"/>
             <p:extLst>
               <p:ext uri="{D42A27DB-BD31-4B8C-83A1-F6EECF244321}">
-                <p14:modId xmlns:p14="http://schemas.microsoft.com/office/powerpoint/2010/main" val="1454911036"/>
+                <p14:modId xmlns:p14="http://schemas.microsoft.com/office/powerpoint/2010/main" val="1391186106"/>
               </p:ext>
             </p:extLst>
           </p:nvPr>
